--- a/Slides/Lesson 6.1 Lists vs. Structures.pptx
+++ b/Slides/Lesson 6.1 Lists vs. Structures.pptx
@@ -228,7 +228,7 @@
           <a:p>
             <a:fld id="{1AC50D25-69DA-4251-A3B1-10895C6A89D6}" type="datetimeFigureOut">
               <a:rPr lang="en-US" smtClean="0"/>
-              <a:t>8/31/2015</a:t>
+              <a:t>10/17/2015</a:t>
             </a:fld>
             <a:endParaRPr lang="en-US"/>
           </a:p>
@@ -1366,7 +1366,7 @@
           <a:p>
             <a:fld id="{2F1F79F5-7BEC-496A-AFC7-876E38F64D71}" type="datetime1">
               <a:rPr lang="en-US" smtClean="0"/>
-              <a:t>8/31/2015</a:t>
+              <a:t>10/17/2015</a:t>
             </a:fld>
             <a:endParaRPr lang="en-US"/>
           </a:p>
@@ -1468,7 +1468,7 @@
           <a:p>
             <a:fld id="{0A05703A-7669-4FEA-9056-25299B4D29D4}" type="datetime1">
               <a:rPr lang="en-US" smtClean="0"/>
-              <a:t>8/31/2015</a:t>
+              <a:t>10/17/2015</a:t>
             </a:fld>
             <a:endParaRPr lang="en-US"/>
           </a:p>
@@ -1745,7 +1745,7 @@
           <a:p>
             <a:fld id="{6E5077B5-BB57-49DB-88CA-226A139E5C01}" type="datetime1">
               <a:rPr lang="en-US" smtClean="0"/>
-              <a:t>8/31/2015</a:t>
+              <a:t>10/17/2015</a:t>
             </a:fld>
             <a:endParaRPr lang="en-US"/>
           </a:p>
@@ -1998,7 +1998,7 @@
           <a:p>
             <a:fld id="{C48D9447-CBD6-49A1-89FD-8512A8CF8999}" type="datetime1">
               <a:rPr lang="en-US" smtClean="0"/>
-              <a:t>8/31/2015</a:t>
+              <a:t>10/17/2015</a:t>
             </a:fld>
             <a:endParaRPr lang="en-US"/>
           </a:p>
@@ -2168,7 +2168,7 @@
           <a:p>
             <a:fld id="{A3639A2A-823D-48B7-9ACE-7FAF42870BA9}" type="datetime1">
               <a:rPr lang="en-US" smtClean="0"/>
-              <a:t>8/31/2015</a:t>
+              <a:t>10/17/2015</a:t>
             </a:fld>
             <a:endParaRPr lang="en-US"/>
           </a:p>
@@ -2348,7 +2348,7 @@
           <a:p>
             <a:fld id="{ED1B6996-82E9-463C-972C-7B56056E426C}" type="datetime1">
               <a:rPr lang="en-US" smtClean="0"/>
-              <a:t>8/31/2015</a:t>
+              <a:t>10/17/2015</a:t>
             </a:fld>
             <a:endParaRPr lang="en-US"/>
           </a:p>
@@ -2531,7 +2531,7 @@
           <a:p>
             <a:fld id="{E22ED4DA-448D-4BB1-B935-CC112220207B}" type="datetime1">
               <a:rPr lang="en-US" smtClean="0"/>
-              <a:t>8/31/2015</a:t>
+              <a:t>10/17/2015</a:t>
             </a:fld>
             <a:endParaRPr lang="en-US"/>
           </a:p>
@@ -2713,7 +2713,7 @@
           <a:p>
             <a:fld id="{E22ED4DA-448D-4BB1-B935-CC112220207B}" type="datetime1">
               <a:rPr lang="en-US" smtClean="0"/>
-              <a:t>8/31/2015</a:t>
+              <a:t>10/17/2015</a:t>
             </a:fld>
             <a:endParaRPr lang="en-US"/>
           </a:p>
@@ -2982,7 +2982,7 @@
           <a:p>
             <a:fld id="{FF5D65A6-AB94-4435-B0B7-3743215FA46C}" type="datetime1">
               <a:rPr lang="en-US" smtClean="0"/>
-              <a:t>8/31/2015</a:t>
+              <a:t>10/17/2015</a:t>
             </a:fld>
             <a:endParaRPr lang="en-US"/>
           </a:p>
@@ -3167,7 +3167,7 @@
           <a:p>
             <a:fld id="{FF5D65A6-AB94-4435-B0B7-3743215FA46C}" type="datetime1">
               <a:rPr lang="en-US" smtClean="0"/>
-              <a:t>8/31/2015</a:t>
+              <a:t>10/17/2015</a:t>
             </a:fld>
             <a:endParaRPr lang="en-US"/>
           </a:p>
@@ -3469,7 +3469,7 @@
           <a:p>
             <a:fld id="{7C193DC4-6EF0-48C9-B29C-616106A645E1}" type="datetime1">
               <a:rPr lang="en-US" smtClean="0"/>
-              <a:t>8/31/2015</a:t>
+              <a:t>10/17/2015</a:t>
             </a:fld>
             <a:endParaRPr lang="en-US"/>
           </a:p>
@@ -3757,7 +3757,7 @@
           <a:p>
             <a:fld id="{5D1846AD-9252-4647-9435-4C2AC365653A}" type="datetime1">
               <a:rPr lang="en-US" smtClean="0"/>
-              <a:t>8/31/2015</a:t>
+              <a:t>10/17/2015</a:t>
             </a:fld>
             <a:endParaRPr lang="en-US"/>
           </a:p>
@@ -4179,7 +4179,7 @@
           <a:p>
             <a:fld id="{CE56DC10-3561-4063-A6AF-C1CC7A41040A}" type="datetime1">
               <a:rPr lang="en-US" smtClean="0"/>
-              <a:t>8/31/2015</a:t>
+              <a:t>10/17/2015</a:t>
             </a:fld>
             <a:endParaRPr lang="en-US"/>
           </a:p>
@@ -4297,7 +4297,7 @@
           <a:p>
             <a:fld id="{2F7B77F5-1464-4F6B-92A8-64FC8A508293}" type="datetime1">
               <a:rPr lang="en-US" smtClean="0"/>
-              <a:t>8/31/2015</a:t>
+              <a:t>10/17/2015</a:t>
             </a:fld>
             <a:endParaRPr lang="en-US"/>
           </a:p>
@@ -4529,7 +4529,7 @@
           <a:p>
             <a:fld id="{02B3F677-983B-48DB-ADFD-63FE6CBC7FB2}" type="datetime1">
               <a:rPr lang="en-US" smtClean="0"/>
-              <a:t>8/31/2015</a:t>
+              <a:t>10/17/2015</a:t>
             </a:fld>
             <a:endParaRPr lang="en-US"/>
           </a:p>
@@ -5074,7 +5074,6 @@
                 <a:rPr lang="en-US" sz="1000" dirty="0" smtClean="0"/>
                 <a:t>2012-2015</a:t>
               </a:r>
-              <a:endParaRPr lang="en-US" sz="1000" dirty="0" smtClean="0"/>
             </a:p>
             <a:p>
               <a:r>
@@ -5311,14 +5310,7 @@
                 <a:latin typeface="Consolas" pitchFamily="49" charset="0"/>
                 <a:cs typeface="Consolas" pitchFamily="49" charset="0"/>
               </a:rPr>
-              <a:t>-- </a:t>
-            </a:r>
-            <a:r>
-              <a:rPr lang="en-US" sz="2400" b="1" dirty="0" smtClean="0">
-                <a:latin typeface="Consolas" pitchFamily="49" charset="0"/>
-                <a:cs typeface="Consolas" pitchFamily="49" charset="0"/>
-              </a:rPr>
-              <a:t>(make-topped-pizza Topping </a:t>
+              <a:t>-- (make-topped-pizza Topping </a:t>
             </a:r>
             <a:r>
               <a:rPr lang="en-US" sz="2400" b="1" dirty="0" smtClean="0">
@@ -5922,19 +5914,8 @@
                 <a:latin typeface="Consolas" pitchFamily="49" charset="0"/>
                 <a:cs typeface="Consolas" pitchFamily="49" charset="0"/>
               </a:rPr>
-              <a:t>                                </a:t>
-            </a:r>
-            <a:r>
-              <a:rPr lang="en-US" sz="2000" b="1" dirty="0" smtClean="0">
-                <a:latin typeface="Consolas" pitchFamily="49" charset="0"/>
-                <a:cs typeface="Consolas" pitchFamily="49" charset="0"/>
-              </a:rPr>
-              <a:t>(make-plain-pizza)</a:t>
-            </a:r>
-            <a:endParaRPr lang="en-US" sz="2000" b="1" dirty="0" smtClean="0">
-              <a:latin typeface="Consolas" pitchFamily="49" charset="0"/>
-              <a:cs typeface="Consolas" pitchFamily="49" charset="0"/>
-            </a:endParaRPr>
+              <a:t>                                (make-plain-pizza)</a:t>
+            </a:r>
           </a:p>
           <a:p>
             <a:pPr>
@@ -5954,19 +5935,8 @@
                 <a:latin typeface="Consolas" pitchFamily="49" charset="0"/>
                 <a:cs typeface="Consolas" pitchFamily="49" charset="0"/>
               </a:rPr>
-              <a:t>    (make-topped-pizza "cheese" </a:t>
-            </a:r>
-            <a:r>
-              <a:rPr lang="en-US" sz="2000" b="1" dirty="0" smtClean="0">
-                <a:latin typeface="Consolas" pitchFamily="49" charset="0"/>
-                <a:cs typeface="Consolas" pitchFamily="49" charset="0"/>
-              </a:rPr>
-              <a:t>(make-plain-pizza))</a:t>
-            </a:r>
-            <a:endParaRPr lang="en-US" sz="2000" b="1" dirty="0" smtClean="0">
-              <a:latin typeface="Consolas" pitchFamily="49" charset="0"/>
-              <a:cs typeface="Consolas" pitchFamily="49" charset="0"/>
-            </a:endParaRPr>
+              <a:t>    (make-topped-pizza "cheese" (make-plain-pizza))</a:t>
+            </a:r>
           </a:p>
           <a:p>
             <a:pPr>
@@ -5998,19 +5968,8 @@
                 <a:latin typeface="Consolas" pitchFamily="49" charset="0"/>
                 <a:cs typeface="Consolas" pitchFamily="49" charset="0"/>
               </a:rPr>
-              <a:t>    (make-topped-pizza "cheese" </a:t>
-            </a:r>
-            <a:r>
-              <a:rPr lang="en-US" sz="2000" b="1" dirty="0" smtClean="0">
-                <a:latin typeface="Consolas" pitchFamily="49" charset="0"/>
-                <a:cs typeface="Consolas" pitchFamily="49" charset="0"/>
-              </a:rPr>
-              <a:t>(make-plain-pizza))))</a:t>
-            </a:r>
-            <a:endParaRPr lang="en-US" sz="2000" b="1" dirty="0" smtClean="0">
-              <a:latin typeface="Consolas" pitchFamily="49" charset="0"/>
-              <a:cs typeface="Consolas" pitchFamily="49" charset="0"/>
-            </a:endParaRPr>
+              <a:t>    (make-topped-pizza "cheese" (make-plain-pizza))))</a:t>
+            </a:r>
           </a:p>
           <a:p>
             <a:pPr>
@@ -6054,19 +6013,8 @@
                 <a:latin typeface="Consolas" pitchFamily="49" charset="0"/>
                 <a:cs typeface="Consolas" pitchFamily="49" charset="0"/>
               </a:rPr>
-              <a:t>    (make-topped-pizza "cheese" </a:t>
-            </a:r>
-            <a:r>
-              <a:rPr lang="en-US" sz="2000" b="1" dirty="0" smtClean="0">
-                <a:latin typeface="Consolas" pitchFamily="49" charset="0"/>
-                <a:cs typeface="Consolas" pitchFamily="49" charset="0"/>
-              </a:rPr>
-              <a:t>(make-plain-pizza))))))</a:t>
-            </a:r>
-            <a:endParaRPr lang="en-US" sz="2000" b="1" dirty="0" smtClean="0">
-              <a:latin typeface="Consolas" pitchFamily="49" charset="0"/>
-              <a:cs typeface="Consolas" pitchFamily="49" charset="0"/>
-            </a:endParaRPr>
+              <a:t>    (make-topped-pizza "cheese" (make-plain-pizza))))))</a:t>
+            </a:r>
           </a:p>
           <a:p>
             <a:pPr>
@@ -7454,19 +7402,8 @@
                 <a:latin typeface="Consolas" pitchFamily="49" charset="0"/>
                 <a:cs typeface="Consolas" pitchFamily="49" charset="0"/>
               </a:rPr>
-              <a:t>-- </a:t>
-            </a:r>
-            <a:r>
-              <a:rPr lang="en-US" sz="2600" b="1" dirty="0" smtClean="0">
-                <a:latin typeface="Consolas" pitchFamily="49" charset="0"/>
-                <a:cs typeface="Consolas" pitchFamily="49" charset="0"/>
-              </a:rPr>
-              <a:t>(make-plain-pizza)</a:t>
-            </a:r>
-            <a:endParaRPr lang="en-US" sz="2600" b="1" dirty="0" smtClean="0">
-              <a:latin typeface="Consolas" pitchFamily="49" charset="0"/>
-              <a:cs typeface="Consolas" pitchFamily="49" charset="0"/>
-            </a:endParaRPr>
+              <a:t>-- (make-plain-pizza)</a:t>
+            </a:r>
           </a:p>
           <a:p>
             <a:pPr>
@@ -7529,14 +7466,7 @@
                 <a:latin typeface="Consolas" pitchFamily="49" charset="0"/>
                 <a:cs typeface="Consolas" pitchFamily="49" charset="0"/>
               </a:rPr>
-              <a:t>(make-plain-pizza) </a:t>
-            </a:r>
-            <a:r>
-              <a:rPr lang="en-US" sz="2600" b="1" dirty="0" smtClean="0">
-                <a:latin typeface="Consolas" pitchFamily="49" charset="0"/>
-                <a:cs typeface="Consolas" pitchFamily="49" charset="0"/>
-              </a:rPr>
-              <a:t>means a pizza with no toppings</a:t>
+              <a:t>(make-plain-pizza) means a pizza with no toppings</a:t>
             </a:r>
           </a:p>
           <a:p>
@@ -8724,15 +8654,7 @@
           <a:p>
             <a:r>
               <a:rPr lang="en-US" dirty="0" smtClean="0"/>
-              <a:t>Do Guided </a:t>
-            </a:r>
-            <a:r>
-              <a:rPr lang="en-US" dirty="0" smtClean="0"/>
-              <a:t>Practice </a:t>
-            </a:r>
-            <a:r>
-              <a:rPr lang="en-US" dirty="0" smtClean="0"/>
-              <a:t>6.1 </a:t>
+              <a:t>Do Guided Practice 6.1 </a:t>
             </a:r>
           </a:p>
           <a:p>
@@ -11631,13 +11553,7 @@
               <a:rPr lang="en-US" dirty="0" smtClean="0">
                 <a:cs typeface="Consolas" pitchFamily="49" charset="0"/>
               </a:rPr>
-              <a:t>We could still write a data definition</a:t>
-            </a:r>
-            <a:r>
-              <a:rPr lang="en-US" dirty="0" smtClean="0">
-                <a:cs typeface="Consolas" pitchFamily="49" charset="0"/>
-              </a:rPr>
-              <a:t>:</a:t>
+              <a:t>We could still write a data definition:</a:t>
             </a:r>
           </a:p>
           <a:p>
@@ -11699,21 +11615,7 @@
                 <a:latin typeface="Consolas" pitchFamily="49" charset="0"/>
                 <a:cs typeface="Consolas" pitchFamily="49" charset="0"/>
               </a:rPr>
-              <a:t>(</a:t>
-            </a:r>
-            <a:r>
-              <a:rPr lang="en-US" sz="2000" b="1" dirty="0" smtClean="0">
-                <a:latin typeface="Consolas" pitchFamily="49" charset="0"/>
-                <a:cs typeface="Consolas" pitchFamily="49" charset="0"/>
-              </a:rPr>
-              <a:t>define-struct topped-pizza (topping base</a:t>
-            </a:r>
-            <a:r>
-              <a:rPr lang="en-US" sz="2000" b="1" dirty="0" smtClean="0">
-                <a:latin typeface="Consolas" pitchFamily="49" charset="0"/>
-                <a:cs typeface="Consolas" pitchFamily="49" charset="0"/>
-              </a:rPr>
-              <a:t>))</a:t>
+              <a:t>(define-struct topped-pizza (topping base))</a:t>
             </a:r>
           </a:p>
           <a:p>
@@ -11740,14 +11642,7 @@
                 <a:latin typeface="Consolas" pitchFamily="49" charset="0"/>
                 <a:cs typeface="Consolas" pitchFamily="49" charset="0"/>
               </a:rPr>
-              <a:t>A Topping is a String</a:t>
-            </a:r>
-            <a:r>
-              <a:rPr lang="en-US" sz="2000" b="1" dirty="0" smtClean="0">
-                <a:latin typeface="Consolas" pitchFamily="49" charset="0"/>
-                <a:cs typeface="Consolas" pitchFamily="49" charset="0"/>
-              </a:rPr>
-              <a:t>.</a:t>
+              <a:t>A Topping is a String.</a:t>
             </a:r>
           </a:p>
           <a:p>
@@ -11774,14 +11669,7 @@
                 <a:latin typeface="Consolas" pitchFamily="49" charset="0"/>
                 <a:cs typeface="Consolas" pitchFamily="49" charset="0"/>
               </a:rPr>
-              <a:t>A Pizza is </a:t>
-            </a:r>
-            <a:r>
-              <a:rPr lang="en-US" sz="2000" b="1" dirty="0" smtClean="0">
-                <a:latin typeface="Consolas" pitchFamily="49" charset="0"/>
-                <a:cs typeface="Consolas" pitchFamily="49" charset="0"/>
-              </a:rPr>
-              <a:t>either</a:t>
+              <a:t>A Pizza is either</a:t>
             </a:r>
           </a:p>
           <a:p>
@@ -11829,14 +11717,7 @@
                 <a:latin typeface="Consolas" pitchFamily="49" charset="0"/>
                 <a:cs typeface="Consolas" pitchFamily="49" charset="0"/>
               </a:rPr>
-              <a:t>-- </a:t>
-            </a:r>
-            <a:r>
-              <a:rPr lang="en-US" sz="2000" b="1" dirty="0" smtClean="0">
-                <a:latin typeface="Consolas" pitchFamily="49" charset="0"/>
-                <a:cs typeface="Consolas" pitchFamily="49" charset="0"/>
-              </a:rPr>
-              <a:t>(make-topped-pizza Topping Pizza)</a:t>
+              <a:t>-- (make-topped-pizza Topping Pizza)</a:t>
             </a:r>
           </a:p>
           <a:p>
@@ -12070,7 +11951,31 @@
                   <a:schemeClr val="tx1"/>
                 </a:solidFill>
               </a:rPr>
-              <a:t>, is a standard strategy, sometimes called the "sum of products" representation.  HINT:  You won't go wrong is you use this as your default representation for data in Racket.</a:t>
+              <a:t>, is a standard strategy, sometimes called the "sum of products" representation.  HINT:  You won't go </a:t>
+            </a:r>
+            <a:r>
+              <a:rPr lang="en-US" sz="1400" smtClean="0">
+                <a:solidFill>
+                  <a:schemeClr val="tx1"/>
+                </a:solidFill>
+              </a:rPr>
+              <a:t>wrong </a:t>
+            </a:r>
+            <a:r>
+              <a:rPr lang="en-US" sz="1400" smtClean="0">
+                <a:solidFill>
+                  <a:schemeClr val="tx1"/>
+                </a:solidFill>
+              </a:rPr>
+              <a:t>if </a:t>
+            </a:r>
+            <a:r>
+              <a:rPr lang="en-US" sz="1400" dirty="0" smtClean="0">
+                <a:solidFill>
+                  <a:schemeClr val="tx1"/>
+                </a:solidFill>
+              </a:rPr>
+              <a:t>you use this as your default representation for data in Racket.</a:t>
             </a:r>
             <a:endParaRPr lang="en-US" sz="1400" dirty="0">
               <a:solidFill>

--- a/Slides/Lesson 6.1 Lists vs. Structures.pptx
+++ b/Slides/Lesson 6.1 Lists vs. Structures.pptx
@@ -228,7 +228,7 @@
           <a:p>
             <a:fld id="{1AC50D25-69DA-4251-A3B1-10895C6A89D6}" type="datetimeFigureOut">
               <a:rPr lang="en-US" smtClean="0"/>
-              <a:t>10/17/2015</a:t>
+              <a:t>10/19/2015</a:t>
             </a:fld>
             <a:endParaRPr lang="en-US"/>
           </a:p>
@@ -1366,7 +1366,7 @@
           <a:p>
             <a:fld id="{2F1F79F5-7BEC-496A-AFC7-876E38F64D71}" type="datetime1">
               <a:rPr lang="en-US" smtClean="0"/>
-              <a:t>10/17/2015</a:t>
+              <a:t>10/19/2015</a:t>
             </a:fld>
             <a:endParaRPr lang="en-US"/>
           </a:p>
@@ -1468,7 +1468,7 @@
           <a:p>
             <a:fld id="{0A05703A-7669-4FEA-9056-25299B4D29D4}" type="datetime1">
               <a:rPr lang="en-US" smtClean="0"/>
-              <a:t>10/17/2015</a:t>
+              <a:t>10/19/2015</a:t>
             </a:fld>
             <a:endParaRPr lang="en-US"/>
           </a:p>
@@ -1745,7 +1745,7 @@
           <a:p>
             <a:fld id="{6E5077B5-BB57-49DB-88CA-226A139E5C01}" type="datetime1">
               <a:rPr lang="en-US" smtClean="0"/>
-              <a:t>10/17/2015</a:t>
+              <a:t>10/19/2015</a:t>
             </a:fld>
             <a:endParaRPr lang="en-US"/>
           </a:p>
@@ -1998,7 +1998,7 @@
           <a:p>
             <a:fld id="{C48D9447-CBD6-49A1-89FD-8512A8CF8999}" type="datetime1">
               <a:rPr lang="en-US" smtClean="0"/>
-              <a:t>10/17/2015</a:t>
+              <a:t>10/19/2015</a:t>
             </a:fld>
             <a:endParaRPr lang="en-US"/>
           </a:p>
@@ -2168,7 +2168,7 @@
           <a:p>
             <a:fld id="{A3639A2A-823D-48B7-9ACE-7FAF42870BA9}" type="datetime1">
               <a:rPr lang="en-US" smtClean="0"/>
-              <a:t>10/17/2015</a:t>
+              <a:t>10/19/2015</a:t>
             </a:fld>
             <a:endParaRPr lang="en-US"/>
           </a:p>
@@ -2348,7 +2348,7 @@
           <a:p>
             <a:fld id="{ED1B6996-82E9-463C-972C-7B56056E426C}" type="datetime1">
               <a:rPr lang="en-US" smtClean="0"/>
-              <a:t>10/17/2015</a:t>
+              <a:t>10/19/2015</a:t>
             </a:fld>
             <a:endParaRPr lang="en-US"/>
           </a:p>
@@ -2531,7 +2531,7 @@
           <a:p>
             <a:fld id="{E22ED4DA-448D-4BB1-B935-CC112220207B}" type="datetime1">
               <a:rPr lang="en-US" smtClean="0"/>
-              <a:t>10/17/2015</a:t>
+              <a:t>10/19/2015</a:t>
             </a:fld>
             <a:endParaRPr lang="en-US"/>
           </a:p>
@@ -2713,7 +2713,7 @@
           <a:p>
             <a:fld id="{E22ED4DA-448D-4BB1-B935-CC112220207B}" type="datetime1">
               <a:rPr lang="en-US" smtClean="0"/>
-              <a:t>10/17/2015</a:t>
+              <a:t>10/19/2015</a:t>
             </a:fld>
             <a:endParaRPr lang="en-US"/>
           </a:p>
@@ -2982,7 +2982,7 @@
           <a:p>
             <a:fld id="{FF5D65A6-AB94-4435-B0B7-3743215FA46C}" type="datetime1">
               <a:rPr lang="en-US" smtClean="0"/>
-              <a:t>10/17/2015</a:t>
+              <a:t>10/19/2015</a:t>
             </a:fld>
             <a:endParaRPr lang="en-US"/>
           </a:p>
@@ -3167,7 +3167,7 @@
           <a:p>
             <a:fld id="{FF5D65A6-AB94-4435-B0B7-3743215FA46C}" type="datetime1">
               <a:rPr lang="en-US" smtClean="0"/>
-              <a:t>10/17/2015</a:t>
+              <a:t>10/19/2015</a:t>
             </a:fld>
             <a:endParaRPr lang="en-US"/>
           </a:p>
@@ -3469,7 +3469,7 @@
           <a:p>
             <a:fld id="{7C193DC4-6EF0-48C9-B29C-616106A645E1}" type="datetime1">
               <a:rPr lang="en-US" smtClean="0"/>
-              <a:t>10/17/2015</a:t>
+              <a:t>10/19/2015</a:t>
             </a:fld>
             <a:endParaRPr lang="en-US"/>
           </a:p>
@@ -3757,7 +3757,7 @@
           <a:p>
             <a:fld id="{5D1846AD-9252-4647-9435-4C2AC365653A}" type="datetime1">
               <a:rPr lang="en-US" smtClean="0"/>
-              <a:t>10/17/2015</a:t>
+              <a:t>10/19/2015</a:t>
             </a:fld>
             <a:endParaRPr lang="en-US"/>
           </a:p>
@@ -4179,7 +4179,7 @@
           <a:p>
             <a:fld id="{CE56DC10-3561-4063-A6AF-C1CC7A41040A}" type="datetime1">
               <a:rPr lang="en-US" smtClean="0"/>
-              <a:t>10/17/2015</a:t>
+              <a:t>10/19/2015</a:t>
             </a:fld>
             <a:endParaRPr lang="en-US"/>
           </a:p>
@@ -4297,7 +4297,7 @@
           <a:p>
             <a:fld id="{2F7B77F5-1464-4F6B-92A8-64FC8A508293}" type="datetime1">
               <a:rPr lang="en-US" smtClean="0"/>
-              <a:t>10/17/2015</a:t>
+              <a:t>10/19/2015</a:t>
             </a:fld>
             <a:endParaRPr lang="en-US"/>
           </a:p>
@@ -4529,7 +4529,7 @@
           <a:p>
             <a:fld id="{02B3F677-983B-48DB-ADFD-63FE6CBC7FB2}" type="datetime1">
               <a:rPr lang="en-US" smtClean="0"/>
-              <a:t>10/17/2015</a:t>
+              <a:t>10/19/2015</a:t>
             </a:fld>
             <a:endParaRPr lang="en-US"/>
           </a:p>
@@ -8648,7 +8648,21 @@
           <a:p>
             <a:r>
               <a:rPr lang="en-US" dirty="0" smtClean="0"/>
-              <a:t>If you have questions about this lesson, ask them on the Discussion Board</a:t>
+              <a:t>Study the file 06-1-recursive-structures.rkt in the </a:t>
+            </a:r>
+            <a:r>
+              <a:rPr lang="en-US" smtClean="0"/>
+              <a:t>Examples folder.</a:t>
+            </a:r>
+          </a:p>
+          <a:p>
+            <a:r>
+              <a:rPr lang="en-US" dirty="0" smtClean="0"/>
+              <a:t>If </a:t>
+            </a:r>
+            <a:r>
+              <a:rPr lang="en-US" dirty="0" smtClean="0"/>
+              <a:t>you have questions about this lesson, ask them on the Discussion Board</a:t>
             </a:r>
           </a:p>
           <a:p>
@@ -11959,15 +11973,7 @@
                   <a:schemeClr val="tx1"/>
                 </a:solidFill>
               </a:rPr>
-              <a:t>wrong </a:t>
-            </a:r>
-            <a:r>
-              <a:rPr lang="en-US" sz="1400" smtClean="0">
-                <a:solidFill>
-                  <a:schemeClr val="tx1"/>
-                </a:solidFill>
-              </a:rPr>
-              <a:t>if </a:t>
+              <a:t>wrong if </a:t>
             </a:r>
             <a:r>
               <a:rPr lang="en-US" sz="1400" dirty="0" smtClean="0">

--- a/Slides/Lesson 6.1 Lists vs. Structures.pptx
+++ b/Slides/Lesson 6.1 Lists vs. Structures.pptx
@@ -5,7 +5,7 @@
     <p:sldMasterId id="2147483661" r:id="rId1"/>
   </p:sldMasterIdLst>
   <p:notesMasterIdLst>
-    <p:notesMasterId r:id="rId20"/>
+    <p:notesMasterId r:id="rId21"/>
   </p:notesMasterIdLst>
   <p:sldIdLst>
     <p:sldId id="256" r:id="rId2"/>
@@ -23,14 +23,15 @@
     <p:sldId id="263" r:id="rId14"/>
     <p:sldId id="264" r:id="rId15"/>
     <p:sldId id="265" r:id="rId16"/>
-    <p:sldId id="266" r:id="rId17"/>
-    <p:sldId id="271" r:id="rId18"/>
-    <p:sldId id="272" r:id="rId19"/>
+    <p:sldId id="277" r:id="rId17"/>
+    <p:sldId id="266" r:id="rId18"/>
+    <p:sldId id="271" r:id="rId19"/>
+    <p:sldId id="272" r:id="rId20"/>
   </p:sldIdLst>
   <p:sldSz cx="9144000" cy="6858000" type="screen4x3"/>
   <p:notesSz cx="6858000" cy="9144000"/>
   <p:custDataLst>
-    <p:tags r:id="rId21"/>
+    <p:tags r:id="rId22"/>
   </p:custDataLst>
   <p:defaultTextStyle>
     <a:defPPr>
@@ -228,7 +229,7 @@
           <a:p>
             <a:fld id="{1AC50D25-69DA-4251-A3B1-10895C6A89D6}" type="datetimeFigureOut">
               <a:rPr lang="en-US" smtClean="0"/>
-              <a:t>10/19/2015</a:t>
+              <a:t>9/5/2016</a:t>
             </a:fld>
             <a:endParaRPr lang="en-US"/>
           </a:p>
@@ -292,38 +293,37 @@
           <a:p>
             <a:pPr lvl="0"/>
             <a:r>
-              <a:rPr lang="en-US" smtClean="0"/>
+              <a:rPr lang="en-US"/>
               <a:t>Click to edit Master text styles</a:t>
             </a:r>
           </a:p>
           <a:p>
             <a:pPr lvl="1"/>
             <a:r>
-              <a:rPr lang="en-US" smtClean="0"/>
+              <a:rPr lang="en-US"/>
               <a:t>Second level</a:t>
             </a:r>
           </a:p>
           <a:p>
             <a:pPr lvl="2"/>
             <a:r>
-              <a:rPr lang="en-US" smtClean="0"/>
+              <a:rPr lang="en-US"/>
               <a:t>Third level</a:t>
             </a:r>
           </a:p>
           <a:p>
             <a:pPr lvl="3"/>
             <a:r>
-              <a:rPr lang="en-US" smtClean="0"/>
+              <a:rPr lang="en-US"/>
               <a:t>Fourth level</a:t>
             </a:r>
           </a:p>
           <a:p>
             <a:pPr lvl="4"/>
             <a:r>
-              <a:rPr lang="en-US" smtClean="0"/>
+              <a:rPr lang="en-US"/>
               <a:t>Fifth level</a:t>
             </a:r>
-            <a:endParaRPr lang="en-US"/>
           </a:p>
         </p:txBody>
       </p:sp>
@@ -1137,11 +1137,11 @@
           <a:lstStyle/>
           <a:p>
             <a:r>
-              <a:rPr lang="en-US" dirty="0" smtClean="0"/>
+              <a:rPr lang="en-US" dirty="0"/>
               <a:t>You could</a:t>
             </a:r>
             <a:r>
-              <a:rPr lang="en-US" baseline="0" dirty="0" smtClean="0"/>
+              <a:rPr lang="en-US" baseline="0" dirty="0"/>
               <a:t> represent Pizzas either by lists or structures.</a:t>
             </a:r>
             <a:endParaRPr lang="en-US" dirty="0"/>
@@ -1223,10 +1223,9 @@
           <a:lstStyle/>
           <a:p>
             <a:r>
-              <a:rPr lang="en-US" smtClean="0"/>
+              <a:rPr lang="en-US"/>
               <a:t>Click to edit Master title style</a:t>
             </a:r>
-            <a:endParaRPr lang="en-US"/>
           </a:p>
         </p:txBody>
       </p:sp>
@@ -1342,10 +1341,9 @@
           </a:lstStyle>
           <a:p>
             <a:r>
-              <a:rPr lang="en-US" smtClean="0"/>
+              <a:rPr lang="en-US"/>
               <a:t>Click to edit Master subtitle style</a:t>
             </a:r>
-            <a:endParaRPr lang="en-US"/>
           </a:p>
         </p:txBody>
       </p:sp>
@@ -1366,7 +1364,7 @@
           <a:p>
             <a:fld id="{2F1F79F5-7BEC-496A-AFC7-876E38F64D71}" type="datetime1">
               <a:rPr lang="en-US" smtClean="0"/>
-              <a:t>10/19/2015</a:t>
+              <a:t>9/5/2016</a:t>
             </a:fld>
             <a:endParaRPr lang="en-US"/>
           </a:p>
@@ -1424,13 +1422,6 @@
   <p:clrMapOvr>
     <a:masterClrMapping/>
   </p:clrMapOvr>
-  <p:timing>
-    <p:tnLst>
-      <p:par>
-        <p:cTn id="1" dur="indefinite" restart="never" nodeType="tmRoot"/>
-      </p:par>
-    </p:tnLst>
-  </p:timing>
 </p:sldLayout>
 </file>
 
@@ -1468,7 +1459,7 @@
           <a:p>
             <a:fld id="{0A05703A-7669-4FEA-9056-25299B4D29D4}" type="datetime1">
               <a:rPr lang="en-US" smtClean="0"/>
-              <a:t>10/19/2015</a:t>
+              <a:t>9/5/2016</a:t>
             </a:fld>
             <a:endParaRPr lang="en-US"/>
           </a:p>
@@ -1571,10 +1562,9 @@
           </a:lstStyle>
           <a:p>
             <a:r>
-              <a:rPr lang="en-US" smtClean="0"/>
+              <a:rPr lang="en-US"/>
               <a:t>Click to edit Master title style</a:t>
             </a:r>
-            <a:endParaRPr lang="en-US"/>
           </a:p>
         </p:txBody>
       </p:sp>
@@ -1628,38 +1618,37 @@
           <a:p>
             <a:pPr lvl="0"/>
             <a:r>
-              <a:rPr lang="en-US" smtClean="0"/>
+              <a:rPr lang="en-US"/>
               <a:t>Click to edit Master text styles</a:t>
             </a:r>
           </a:p>
           <a:p>
             <a:pPr lvl="1"/>
             <a:r>
-              <a:rPr lang="en-US" smtClean="0"/>
+              <a:rPr lang="en-US"/>
               <a:t>Second level</a:t>
             </a:r>
           </a:p>
           <a:p>
             <a:pPr lvl="2"/>
             <a:r>
-              <a:rPr lang="en-US" smtClean="0"/>
+              <a:rPr lang="en-US"/>
               <a:t>Third level</a:t>
             </a:r>
           </a:p>
           <a:p>
             <a:pPr lvl="3"/>
             <a:r>
-              <a:rPr lang="en-US" smtClean="0"/>
+              <a:rPr lang="en-US"/>
               <a:t>Fourth level</a:t>
             </a:r>
           </a:p>
           <a:p>
             <a:pPr lvl="4"/>
             <a:r>
-              <a:rPr lang="en-US" smtClean="0"/>
+              <a:rPr lang="en-US"/>
               <a:t>Fifth level</a:t>
             </a:r>
-            <a:endParaRPr lang="en-US"/>
           </a:p>
         </p:txBody>
       </p:sp>
@@ -1722,7 +1711,7 @@
           <a:p>
             <a:pPr lvl="0"/>
             <a:r>
-              <a:rPr lang="en-US" smtClean="0"/>
+              <a:rPr lang="en-US"/>
               <a:t>Click to edit Master text styles</a:t>
             </a:r>
           </a:p>
@@ -1745,7 +1734,7 @@
           <a:p>
             <a:fld id="{6E5077B5-BB57-49DB-88CA-226A139E5C01}" type="datetime1">
               <a:rPr lang="en-US" smtClean="0"/>
-              <a:t>10/19/2015</a:t>
+              <a:t>9/5/2016</a:t>
             </a:fld>
             <a:endParaRPr lang="en-US"/>
           </a:p>
@@ -1848,10 +1837,9 @@
           </a:lstStyle>
           <a:p>
             <a:r>
-              <a:rPr lang="en-US" smtClean="0"/>
+              <a:rPr lang="en-US"/>
               <a:t>Click to edit Master title style</a:t>
             </a:r>
-            <a:endParaRPr lang="en-US"/>
           </a:p>
         </p:txBody>
       </p:sp>
@@ -1975,7 +1963,7 @@
           <a:p>
             <a:pPr lvl="0"/>
             <a:r>
-              <a:rPr lang="en-US" smtClean="0"/>
+              <a:rPr lang="en-US"/>
               <a:t>Click to edit Master text styles</a:t>
             </a:r>
           </a:p>
@@ -1998,7 +1986,7 @@
           <a:p>
             <a:fld id="{C48D9447-CBD6-49A1-89FD-8512A8CF8999}" type="datetime1">
               <a:rPr lang="en-US" smtClean="0"/>
-              <a:t>10/19/2015</a:t>
+              <a:t>9/5/2016</a:t>
             </a:fld>
             <a:endParaRPr lang="en-US"/>
           </a:p>
@@ -2092,10 +2080,9 @@
           <a:lstStyle/>
           <a:p>
             <a:r>
-              <a:rPr lang="en-US" smtClean="0"/>
+              <a:rPr lang="en-US"/>
               <a:t>Click to edit Master title style</a:t>
             </a:r>
-            <a:endParaRPr lang="en-US"/>
           </a:p>
         </p:txBody>
       </p:sp>
@@ -2116,38 +2103,37 @@
           <a:p>
             <a:pPr lvl="0"/>
             <a:r>
-              <a:rPr lang="en-US" smtClean="0"/>
+              <a:rPr lang="en-US"/>
               <a:t>Click to edit Master text styles</a:t>
             </a:r>
           </a:p>
           <a:p>
             <a:pPr lvl="1"/>
             <a:r>
-              <a:rPr lang="en-US" smtClean="0"/>
+              <a:rPr lang="en-US"/>
               <a:t>Second level</a:t>
             </a:r>
           </a:p>
           <a:p>
             <a:pPr lvl="2"/>
             <a:r>
-              <a:rPr lang="en-US" smtClean="0"/>
+              <a:rPr lang="en-US"/>
               <a:t>Third level</a:t>
             </a:r>
           </a:p>
           <a:p>
             <a:pPr lvl="3"/>
             <a:r>
-              <a:rPr lang="en-US" smtClean="0"/>
+              <a:rPr lang="en-US"/>
               <a:t>Fourth level</a:t>
             </a:r>
           </a:p>
           <a:p>
             <a:pPr lvl="4"/>
             <a:r>
-              <a:rPr lang="en-US" smtClean="0"/>
+              <a:rPr lang="en-US"/>
               <a:t>Fifth level</a:t>
             </a:r>
-            <a:endParaRPr lang="en-US"/>
           </a:p>
         </p:txBody>
       </p:sp>
@@ -2168,7 +2154,7 @@
           <a:p>
             <a:fld id="{A3639A2A-823D-48B7-9ACE-7FAF42870BA9}" type="datetime1">
               <a:rPr lang="en-US" smtClean="0"/>
-              <a:t>10/19/2015</a:t>
+              <a:t>9/5/2016</a:t>
             </a:fld>
             <a:endParaRPr lang="en-US"/>
           </a:p>
@@ -2267,10 +2253,9 @@
           <a:lstStyle/>
           <a:p>
             <a:r>
-              <a:rPr lang="en-US" smtClean="0"/>
+              <a:rPr lang="en-US"/>
               <a:t>Click to edit Master title style</a:t>
             </a:r>
-            <a:endParaRPr lang="en-US"/>
           </a:p>
         </p:txBody>
       </p:sp>
@@ -2296,38 +2281,37 @@
           <a:p>
             <a:pPr lvl="0"/>
             <a:r>
-              <a:rPr lang="en-US" smtClean="0"/>
+              <a:rPr lang="en-US"/>
               <a:t>Click to edit Master text styles</a:t>
             </a:r>
           </a:p>
           <a:p>
             <a:pPr lvl="1"/>
             <a:r>
-              <a:rPr lang="en-US" smtClean="0"/>
+              <a:rPr lang="en-US"/>
               <a:t>Second level</a:t>
             </a:r>
           </a:p>
           <a:p>
             <a:pPr lvl="2"/>
             <a:r>
-              <a:rPr lang="en-US" smtClean="0"/>
+              <a:rPr lang="en-US"/>
               <a:t>Third level</a:t>
             </a:r>
           </a:p>
           <a:p>
             <a:pPr lvl="3"/>
             <a:r>
-              <a:rPr lang="en-US" smtClean="0"/>
+              <a:rPr lang="en-US"/>
               <a:t>Fourth level</a:t>
             </a:r>
           </a:p>
           <a:p>
             <a:pPr lvl="4"/>
             <a:r>
-              <a:rPr lang="en-US" smtClean="0"/>
+              <a:rPr lang="en-US"/>
               <a:t>Fifth level</a:t>
             </a:r>
-            <a:endParaRPr lang="en-US"/>
           </a:p>
         </p:txBody>
       </p:sp>
@@ -2348,7 +2332,7 @@
           <a:p>
             <a:fld id="{ED1B6996-82E9-463C-972C-7B56056E426C}" type="datetime1">
               <a:rPr lang="en-US" smtClean="0"/>
-              <a:t>10/19/2015</a:t>
+              <a:t>9/5/2016</a:t>
             </a:fld>
             <a:endParaRPr lang="en-US"/>
           </a:p>
@@ -2406,13 +2390,6 @@
   <p:clrMapOvr>
     <a:masterClrMapping/>
   </p:clrMapOvr>
-  <p:timing>
-    <p:tnLst>
-      <p:par>
-        <p:cTn id="1" dur="indefinite" restart="never" nodeType="tmRoot"/>
-      </p:par>
-    </p:tnLst>
-  </p:timing>
 </p:sldLayout>
 </file>
 
@@ -2455,10 +2432,9 @@
           <a:lstStyle/>
           <a:p>
             <a:r>
-              <a:rPr lang="en-US" dirty="0" smtClean="0"/>
+              <a:rPr lang="en-US" dirty="0"/>
               <a:t>Click to edit Master title style</a:t>
             </a:r>
-            <a:endParaRPr lang="en-US" dirty="0"/>
           </a:p>
         </p:txBody>
       </p:sp>
@@ -2479,38 +2455,37 @@
           <a:p>
             <a:pPr lvl="0"/>
             <a:r>
-              <a:rPr lang="en-US" smtClean="0"/>
+              <a:rPr lang="en-US"/>
               <a:t>Click to edit Master text styles</a:t>
             </a:r>
           </a:p>
           <a:p>
             <a:pPr lvl="1"/>
             <a:r>
-              <a:rPr lang="en-US" smtClean="0"/>
+              <a:rPr lang="en-US"/>
               <a:t>Second level</a:t>
             </a:r>
           </a:p>
           <a:p>
             <a:pPr lvl="2"/>
             <a:r>
-              <a:rPr lang="en-US" smtClean="0"/>
+              <a:rPr lang="en-US"/>
               <a:t>Third level</a:t>
             </a:r>
           </a:p>
           <a:p>
             <a:pPr lvl="3"/>
             <a:r>
-              <a:rPr lang="en-US" smtClean="0"/>
+              <a:rPr lang="en-US"/>
               <a:t>Fourth level</a:t>
             </a:r>
           </a:p>
           <a:p>
             <a:pPr lvl="4"/>
             <a:r>
-              <a:rPr lang="en-US" smtClean="0"/>
+              <a:rPr lang="en-US"/>
               <a:t>Fifth level</a:t>
             </a:r>
-            <a:endParaRPr lang="en-US"/>
           </a:p>
         </p:txBody>
       </p:sp>
@@ -2531,7 +2506,7 @@
           <a:p>
             <a:fld id="{E22ED4DA-448D-4BB1-B935-CC112220207B}" type="datetime1">
               <a:rPr lang="en-US" smtClean="0"/>
-              <a:t>10/19/2015</a:t>
+              <a:t>9/5/2016</a:t>
             </a:fld>
             <a:endParaRPr lang="en-US"/>
           </a:p>
@@ -2589,13 +2564,6 @@
   <p:clrMapOvr>
     <a:masterClrMapping/>
   </p:clrMapOvr>
-  <p:timing>
-    <p:tnLst>
-      <p:par>
-        <p:cTn id="1" dur="indefinite" restart="never" nodeType="tmRoot"/>
-      </p:par>
-    </p:tnLst>
-  </p:timing>
 </p:sldLayout>
 </file>
 
@@ -2632,10 +2600,9 @@
           <a:lstStyle/>
           <a:p>
             <a:r>
-              <a:rPr lang="en-US" smtClean="0"/>
+              <a:rPr lang="en-US"/>
               <a:t>Click to edit Master title style</a:t>
             </a:r>
-            <a:endParaRPr lang="en-US"/>
           </a:p>
         </p:txBody>
       </p:sp>
@@ -2661,38 +2628,37 @@
           <a:p>
             <a:pPr lvl="0"/>
             <a:r>
-              <a:rPr lang="en-US" dirty="0" smtClean="0"/>
+              <a:rPr lang="en-US" dirty="0"/>
               <a:t>Click to edit Master text styles</a:t>
             </a:r>
           </a:p>
           <a:p>
             <a:pPr lvl="1"/>
             <a:r>
-              <a:rPr lang="en-US" dirty="0" smtClean="0"/>
+              <a:rPr lang="en-US" dirty="0"/>
               <a:t>Second level</a:t>
             </a:r>
           </a:p>
           <a:p>
             <a:pPr lvl="2"/>
             <a:r>
-              <a:rPr lang="en-US" dirty="0" smtClean="0"/>
+              <a:rPr lang="en-US" dirty="0"/>
               <a:t>Third level</a:t>
             </a:r>
           </a:p>
           <a:p>
             <a:pPr lvl="3"/>
             <a:r>
-              <a:rPr lang="en-US" dirty="0" smtClean="0"/>
+              <a:rPr lang="en-US" dirty="0"/>
               <a:t>Fourth level</a:t>
             </a:r>
           </a:p>
           <a:p>
             <a:pPr lvl="4"/>
             <a:r>
-              <a:rPr lang="en-US" dirty="0" smtClean="0"/>
+              <a:rPr lang="en-US" dirty="0"/>
               <a:t>Fifth level</a:t>
             </a:r>
-            <a:endParaRPr lang="en-US" dirty="0"/>
           </a:p>
         </p:txBody>
       </p:sp>
@@ -2713,7 +2679,7 @@
           <a:p>
             <a:fld id="{E22ED4DA-448D-4BB1-B935-CC112220207B}" type="datetime1">
               <a:rPr lang="en-US" smtClean="0"/>
-              <a:t>10/19/2015</a:t>
+              <a:t>9/5/2016</a:t>
             </a:fld>
             <a:endParaRPr lang="en-US"/>
           </a:p>
@@ -2803,7 +2769,7 @@
           <a:lstStyle/>
           <a:p>
             <a:pPr algn="ctr"/>
-            <a:endParaRPr lang="en-US" dirty="0" smtClean="0">
+            <a:endParaRPr lang="en-US" dirty="0">
               <a:solidFill>
                 <a:schemeClr val="tx1"/>
               </a:solidFill>
@@ -2834,11 +2800,11 @@
           <a:lstStyle/>
           <a:p>
             <a:r>
-              <a:rPr lang="en-US" dirty="0" smtClean="0"/>
+              <a:rPr lang="en-US" dirty="0"/>
               <a:t>Resize video to this</a:t>
             </a:r>
             <a:r>
-              <a:rPr lang="en-US" baseline="0" dirty="0" smtClean="0"/>
+              <a:rPr lang="en-US" baseline="0" dirty="0"/>
               <a:t> box.</a:t>
             </a:r>
             <a:endParaRPr lang="en-US" dirty="0"/>
@@ -2855,13 +2821,6 @@
   <p:clrMapOvr>
     <a:masterClrMapping/>
   </p:clrMapOvr>
-  <p:timing>
-    <p:tnLst>
-      <p:par>
-        <p:cTn id="1" dur="indefinite" restart="never" nodeType="tmRoot"/>
-      </p:par>
-    </p:tnLst>
-  </p:timing>
 </p:sldLayout>
 </file>
 
@@ -2898,10 +2857,9 @@
           <a:lstStyle/>
           <a:p>
             <a:r>
-              <a:rPr lang="en-US" smtClean="0"/>
+              <a:rPr lang="en-US"/>
               <a:t>Click to edit Master title style</a:t>
             </a:r>
-            <a:endParaRPr lang="en-US"/>
           </a:p>
         </p:txBody>
       </p:sp>
@@ -2930,38 +2888,37 @@
           <a:p>
             <a:pPr lvl="0"/>
             <a:r>
-              <a:rPr lang="en-US" dirty="0" smtClean="0"/>
+              <a:rPr lang="en-US" dirty="0"/>
               <a:t>Click to edit Master text styles</a:t>
             </a:r>
           </a:p>
           <a:p>
             <a:pPr lvl="1"/>
             <a:r>
-              <a:rPr lang="en-US" dirty="0" smtClean="0"/>
+              <a:rPr lang="en-US" dirty="0"/>
               <a:t>Second level</a:t>
             </a:r>
           </a:p>
           <a:p>
             <a:pPr lvl="2"/>
             <a:r>
-              <a:rPr lang="en-US" dirty="0" smtClean="0"/>
+              <a:rPr lang="en-US" dirty="0"/>
               <a:t>Third level</a:t>
             </a:r>
           </a:p>
           <a:p>
             <a:pPr lvl="3"/>
             <a:r>
-              <a:rPr lang="en-US" dirty="0" smtClean="0"/>
+              <a:rPr lang="en-US" dirty="0"/>
               <a:t>Fourth level</a:t>
             </a:r>
           </a:p>
           <a:p>
             <a:pPr lvl="4"/>
             <a:r>
-              <a:rPr lang="en-US" dirty="0" smtClean="0"/>
+              <a:rPr lang="en-US" dirty="0"/>
               <a:t>Fifth level</a:t>
             </a:r>
-            <a:endParaRPr lang="en-US" dirty="0"/>
           </a:p>
         </p:txBody>
       </p:sp>
@@ -2982,7 +2939,7 @@
           <a:p>
             <a:fld id="{FF5D65A6-AB94-4435-B0B7-3743215FA46C}" type="datetime1">
               <a:rPr lang="en-US" smtClean="0"/>
-              <a:t>10/19/2015</a:t>
+              <a:t>9/5/2016</a:t>
             </a:fld>
             <a:endParaRPr lang="en-US"/>
           </a:p>
@@ -3040,13 +2997,6 @@
   <p:clrMapOvr>
     <a:masterClrMapping/>
   </p:clrMapOvr>
-  <p:timing>
-    <p:tnLst>
-      <p:par>
-        <p:cTn id="1" dur="indefinite" restart="never" nodeType="tmRoot"/>
-      </p:par>
-    </p:tnLst>
-  </p:timing>
 </p:sldLayout>
 </file>
 
@@ -3083,10 +3033,9 @@
           <a:lstStyle/>
           <a:p>
             <a:r>
-              <a:rPr lang="en-US" smtClean="0"/>
+              <a:rPr lang="en-US"/>
               <a:t>Click to edit Master title style</a:t>
             </a:r>
-            <a:endParaRPr lang="en-US"/>
           </a:p>
         </p:txBody>
       </p:sp>
@@ -3115,38 +3064,37 @@
           <a:p>
             <a:pPr lvl="0"/>
             <a:r>
-              <a:rPr lang="en-US" dirty="0" smtClean="0"/>
+              <a:rPr lang="en-US" dirty="0"/>
               <a:t>Click to edit Master text styles</a:t>
             </a:r>
           </a:p>
           <a:p>
             <a:pPr lvl="1"/>
             <a:r>
-              <a:rPr lang="en-US" dirty="0" smtClean="0"/>
+              <a:rPr lang="en-US" dirty="0"/>
               <a:t>Second level</a:t>
             </a:r>
           </a:p>
           <a:p>
             <a:pPr lvl="2"/>
             <a:r>
-              <a:rPr lang="en-US" dirty="0" smtClean="0"/>
+              <a:rPr lang="en-US" dirty="0"/>
               <a:t>Third level</a:t>
             </a:r>
           </a:p>
           <a:p>
             <a:pPr lvl="3"/>
             <a:r>
-              <a:rPr lang="en-US" dirty="0" smtClean="0"/>
+              <a:rPr lang="en-US" dirty="0"/>
               <a:t>Fourth level</a:t>
             </a:r>
           </a:p>
           <a:p>
             <a:pPr lvl="4"/>
             <a:r>
-              <a:rPr lang="en-US" dirty="0" smtClean="0"/>
+              <a:rPr lang="en-US" dirty="0"/>
               <a:t>Fifth level</a:t>
             </a:r>
-            <a:endParaRPr lang="en-US" dirty="0"/>
           </a:p>
         </p:txBody>
       </p:sp>
@@ -3167,7 +3115,7 @@
           <a:p>
             <a:fld id="{FF5D65A6-AB94-4435-B0B7-3743215FA46C}" type="datetime1">
               <a:rPr lang="en-US" smtClean="0"/>
-              <a:t>10/19/2015</a:t>
+              <a:t>9/5/2016</a:t>
             </a:fld>
             <a:endParaRPr lang="en-US"/>
           </a:p>
@@ -3274,13 +3222,6 @@
   <p:clrMapOvr>
     <a:masterClrMapping/>
   </p:clrMapOvr>
-  <p:timing>
-    <p:tnLst>
-      <p:par>
-        <p:cTn id="1" dur="indefinite" restart="never" nodeType="tmRoot"/>
-      </p:par>
-    </p:tnLst>
-  </p:timing>
 </p:sldLayout>
 </file>
 
@@ -3326,10 +3267,9 @@
           </a:lstStyle>
           <a:p>
             <a:r>
-              <a:rPr lang="en-US" smtClean="0"/>
+              <a:rPr lang="en-US"/>
               <a:t>Click to edit Master title style</a:t>
             </a:r>
-            <a:endParaRPr lang="en-US"/>
           </a:p>
         </p:txBody>
       </p:sp>
@@ -3446,7 +3386,7 @@
           <a:p>
             <a:pPr lvl="0"/>
             <a:r>
-              <a:rPr lang="en-US" smtClean="0"/>
+              <a:rPr lang="en-US"/>
               <a:t>Click to edit Master text styles</a:t>
             </a:r>
           </a:p>
@@ -3469,7 +3409,7 @@
           <a:p>
             <a:fld id="{7C193DC4-6EF0-48C9-B29C-616106A645E1}" type="datetime1">
               <a:rPr lang="en-US" smtClean="0"/>
-              <a:t>10/19/2015</a:t>
+              <a:t>9/5/2016</a:t>
             </a:fld>
             <a:endParaRPr lang="en-US"/>
           </a:p>
@@ -3563,10 +3503,9 @@
           <a:lstStyle/>
           <a:p>
             <a:r>
-              <a:rPr lang="en-US" smtClean="0"/>
+              <a:rPr lang="en-US"/>
               <a:t>Click to edit Master title style</a:t>
             </a:r>
-            <a:endParaRPr lang="en-US"/>
           </a:p>
         </p:txBody>
       </p:sp>
@@ -3620,38 +3559,37 @@
           <a:p>
             <a:pPr lvl="0"/>
             <a:r>
-              <a:rPr lang="en-US" smtClean="0"/>
+              <a:rPr lang="en-US"/>
               <a:t>Click to edit Master text styles</a:t>
             </a:r>
           </a:p>
           <a:p>
             <a:pPr lvl="1"/>
             <a:r>
-              <a:rPr lang="en-US" smtClean="0"/>
+              <a:rPr lang="en-US"/>
               <a:t>Second level</a:t>
             </a:r>
           </a:p>
           <a:p>
             <a:pPr lvl="2"/>
             <a:r>
-              <a:rPr lang="en-US" smtClean="0"/>
+              <a:rPr lang="en-US"/>
               <a:t>Third level</a:t>
             </a:r>
           </a:p>
           <a:p>
             <a:pPr lvl="3"/>
             <a:r>
-              <a:rPr lang="en-US" smtClean="0"/>
+              <a:rPr lang="en-US"/>
               <a:t>Fourth level</a:t>
             </a:r>
           </a:p>
           <a:p>
             <a:pPr lvl="4"/>
             <a:r>
-              <a:rPr lang="en-US" smtClean="0"/>
+              <a:rPr lang="en-US"/>
               <a:t>Fifth level</a:t>
             </a:r>
-            <a:endParaRPr lang="en-US"/>
           </a:p>
         </p:txBody>
       </p:sp>
@@ -3705,38 +3643,37 @@
           <a:p>
             <a:pPr lvl="0"/>
             <a:r>
-              <a:rPr lang="en-US" smtClean="0"/>
+              <a:rPr lang="en-US"/>
               <a:t>Click to edit Master text styles</a:t>
             </a:r>
           </a:p>
           <a:p>
             <a:pPr lvl="1"/>
             <a:r>
-              <a:rPr lang="en-US" smtClean="0"/>
+              <a:rPr lang="en-US"/>
               <a:t>Second level</a:t>
             </a:r>
           </a:p>
           <a:p>
             <a:pPr lvl="2"/>
             <a:r>
-              <a:rPr lang="en-US" smtClean="0"/>
+              <a:rPr lang="en-US"/>
               <a:t>Third level</a:t>
             </a:r>
           </a:p>
           <a:p>
             <a:pPr lvl="3"/>
             <a:r>
-              <a:rPr lang="en-US" smtClean="0"/>
+              <a:rPr lang="en-US"/>
               <a:t>Fourth level</a:t>
             </a:r>
           </a:p>
           <a:p>
             <a:pPr lvl="4"/>
             <a:r>
-              <a:rPr lang="en-US" smtClean="0"/>
+              <a:rPr lang="en-US"/>
               <a:t>Fifth level</a:t>
             </a:r>
-            <a:endParaRPr lang="en-US"/>
           </a:p>
         </p:txBody>
       </p:sp>
@@ -3757,7 +3694,7 @@
           <a:p>
             <a:fld id="{5D1846AD-9252-4647-9435-4C2AC365653A}" type="datetime1">
               <a:rPr lang="en-US" smtClean="0"/>
-              <a:t>10/19/2015</a:t>
+              <a:t>9/5/2016</a:t>
             </a:fld>
             <a:endParaRPr lang="en-US"/>
           </a:p>
@@ -3855,10 +3792,9 @@
           </a:lstStyle>
           <a:p>
             <a:r>
-              <a:rPr lang="en-US" smtClean="0"/>
+              <a:rPr lang="en-US"/>
               <a:t>Click to edit Master title style</a:t>
             </a:r>
-            <a:endParaRPr lang="en-US"/>
           </a:p>
         </p:txBody>
       </p:sp>
@@ -3921,7 +3857,7 @@
           <a:p>
             <a:pPr lvl="0"/>
             <a:r>
-              <a:rPr lang="en-US" smtClean="0"/>
+              <a:rPr lang="en-US"/>
               <a:t>Click to edit Master text styles</a:t>
             </a:r>
           </a:p>
@@ -3977,38 +3913,37 @@
           <a:p>
             <a:pPr lvl="0"/>
             <a:r>
-              <a:rPr lang="en-US" smtClean="0"/>
+              <a:rPr lang="en-US"/>
               <a:t>Click to edit Master text styles</a:t>
             </a:r>
           </a:p>
           <a:p>
             <a:pPr lvl="1"/>
             <a:r>
-              <a:rPr lang="en-US" smtClean="0"/>
+              <a:rPr lang="en-US"/>
               <a:t>Second level</a:t>
             </a:r>
           </a:p>
           <a:p>
             <a:pPr lvl="2"/>
             <a:r>
-              <a:rPr lang="en-US" smtClean="0"/>
+              <a:rPr lang="en-US"/>
               <a:t>Third level</a:t>
             </a:r>
           </a:p>
           <a:p>
             <a:pPr lvl="3"/>
             <a:r>
-              <a:rPr lang="en-US" smtClean="0"/>
+              <a:rPr lang="en-US"/>
               <a:t>Fourth level</a:t>
             </a:r>
           </a:p>
           <a:p>
             <a:pPr lvl="4"/>
             <a:r>
-              <a:rPr lang="en-US" smtClean="0"/>
+              <a:rPr lang="en-US"/>
               <a:t>Fifth level</a:t>
             </a:r>
-            <a:endParaRPr lang="en-US"/>
           </a:p>
         </p:txBody>
       </p:sp>
@@ -4071,7 +4006,7 @@
           <a:p>
             <a:pPr lvl="0"/>
             <a:r>
-              <a:rPr lang="en-US" smtClean="0"/>
+              <a:rPr lang="en-US"/>
               <a:t>Click to edit Master text styles</a:t>
             </a:r>
           </a:p>
@@ -4127,38 +4062,37 @@
           <a:p>
             <a:pPr lvl="0"/>
             <a:r>
-              <a:rPr lang="en-US" smtClean="0"/>
+              <a:rPr lang="en-US"/>
               <a:t>Click to edit Master text styles</a:t>
             </a:r>
           </a:p>
           <a:p>
             <a:pPr lvl="1"/>
             <a:r>
-              <a:rPr lang="en-US" smtClean="0"/>
+              <a:rPr lang="en-US"/>
               <a:t>Second level</a:t>
             </a:r>
           </a:p>
           <a:p>
             <a:pPr lvl="2"/>
             <a:r>
-              <a:rPr lang="en-US" smtClean="0"/>
+              <a:rPr lang="en-US"/>
               <a:t>Third level</a:t>
             </a:r>
           </a:p>
           <a:p>
             <a:pPr lvl="3"/>
             <a:r>
-              <a:rPr lang="en-US" smtClean="0"/>
+              <a:rPr lang="en-US"/>
               <a:t>Fourth level</a:t>
             </a:r>
           </a:p>
           <a:p>
             <a:pPr lvl="4"/>
             <a:r>
-              <a:rPr lang="en-US" smtClean="0"/>
+              <a:rPr lang="en-US"/>
               <a:t>Fifth level</a:t>
             </a:r>
-            <a:endParaRPr lang="en-US"/>
           </a:p>
         </p:txBody>
       </p:sp>
@@ -4179,7 +4113,7 @@
           <a:p>
             <a:fld id="{CE56DC10-3561-4063-A6AF-C1CC7A41040A}" type="datetime1">
               <a:rPr lang="en-US" smtClean="0"/>
-              <a:t>10/19/2015</a:t>
+              <a:t>9/5/2016</a:t>
             </a:fld>
             <a:endParaRPr lang="en-US"/>
           </a:p>
@@ -4273,10 +4207,9 @@
           <a:lstStyle/>
           <a:p>
             <a:r>
-              <a:rPr lang="en-US" smtClean="0"/>
+              <a:rPr lang="en-US"/>
               <a:t>Click to edit Master title style</a:t>
             </a:r>
-            <a:endParaRPr lang="en-US"/>
           </a:p>
         </p:txBody>
       </p:sp>
@@ -4297,7 +4230,7 @@
           <a:p>
             <a:fld id="{2F7B77F5-1464-4F6B-92A8-64FC8A508293}" type="datetime1">
               <a:rPr lang="en-US" smtClean="0"/>
-              <a:t>10/19/2015</a:t>
+              <a:t>9/5/2016</a:t>
             </a:fld>
             <a:endParaRPr lang="en-US"/>
           </a:p>
@@ -4355,13 +4288,6 @@
   <p:clrMapOvr>
     <a:masterClrMapping/>
   </p:clrMapOvr>
-  <p:timing>
-    <p:tnLst>
-      <p:par>
-        <p:cTn id="1" dur="indefinite" restart="never" nodeType="tmRoot"/>
-      </p:par>
-    </p:tnLst>
-  </p:timing>
 </p:sldLayout>
 </file>
 
@@ -4425,10 +4351,9 @@
           <a:lstStyle/>
           <a:p>
             <a:r>
-              <a:rPr lang="en-US" smtClean="0"/>
+              <a:rPr lang="en-US"/>
               <a:t>Click to edit Master title style</a:t>
             </a:r>
-            <a:endParaRPr lang="en-US"/>
           </a:p>
         </p:txBody>
       </p:sp>
@@ -4459,38 +4384,37 @@
           <a:p>
             <a:pPr lvl="0"/>
             <a:r>
-              <a:rPr lang="en-US" smtClean="0"/>
+              <a:rPr lang="en-US"/>
               <a:t>Click to edit Master text styles</a:t>
             </a:r>
           </a:p>
           <a:p>
             <a:pPr lvl="1"/>
             <a:r>
-              <a:rPr lang="en-US" smtClean="0"/>
+              <a:rPr lang="en-US"/>
               <a:t>Second level</a:t>
             </a:r>
           </a:p>
           <a:p>
             <a:pPr lvl="2"/>
             <a:r>
-              <a:rPr lang="en-US" smtClean="0"/>
+              <a:rPr lang="en-US"/>
               <a:t>Third level</a:t>
             </a:r>
           </a:p>
           <a:p>
             <a:pPr lvl="3"/>
             <a:r>
-              <a:rPr lang="en-US" smtClean="0"/>
+              <a:rPr lang="en-US"/>
               <a:t>Fourth level</a:t>
             </a:r>
           </a:p>
           <a:p>
             <a:pPr lvl="4"/>
             <a:r>
-              <a:rPr lang="en-US" smtClean="0"/>
+              <a:rPr lang="en-US"/>
               <a:t>Fifth level</a:t>
             </a:r>
-            <a:endParaRPr lang="en-US"/>
           </a:p>
         </p:txBody>
       </p:sp>
@@ -4529,7 +4453,7 @@
           <a:p>
             <a:fld id="{02B3F677-983B-48DB-ADFD-63FE6CBC7FB2}" type="datetime1">
               <a:rPr lang="en-US" smtClean="0"/>
-              <a:t>10/19/2015</a:t>
+              <a:t>9/5/2016</a:t>
             </a:fld>
             <a:endParaRPr lang="en-US"/>
           </a:p>
@@ -4637,13 +4561,6 @@
     <p:sldLayoutId id="2147483674" r:id="rId13"/>
     <p:sldLayoutId id="2147483675" r:id="rId14"/>
   </p:sldLayoutIdLst>
-  <p:timing>
-    <p:tnLst>
-      <p:par>
-        <p:cTn id="1" dur="indefinite" restart="never" nodeType="tmRoot"/>
-      </p:par>
-    </p:tnLst>
-  </p:timing>
   <p:hf hdr="0" ftr="0" dt="0"/>
   <p:txStyles>
     <p:titleStyle>
@@ -4931,10 +4848,9 @@
           <a:lstStyle/>
           <a:p>
             <a:r>
-              <a:rPr lang="en-US" dirty="0" smtClean="0"/>
+              <a:rPr lang="en-US" dirty="0"/>
               <a:t>Lists vs. Structures</a:t>
             </a:r>
-            <a:endParaRPr lang="en-US" dirty="0"/>
           </a:p>
         </p:txBody>
       </p:sp>
@@ -4954,21 +4870,21 @@
           <a:lstStyle/>
           <a:p>
             <a:r>
-              <a:rPr lang="en-US" dirty="0" smtClean="0"/>
+              <a:rPr lang="en-US" dirty="0"/>
               <a:t>CS 5010 Program Design Paradigms “</a:t>
             </a:r>
             <a:r>
-              <a:rPr lang="en-US" dirty="0" err="1" smtClean="0"/>
+              <a:rPr lang="en-US" dirty="0" err="1"/>
               <a:t>Bootcamp</a:t>
             </a:r>
             <a:r>
-              <a:rPr lang="en-US" dirty="0" smtClean="0"/>
+              <a:rPr lang="en-US" dirty="0"/>
               <a:t>”</a:t>
             </a:r>
           </a:p>
           <a:p>
             <a:r>
-              <a:rPr lang="en-US" dirty="0" smtClean="0"/>
+              <a:rPr lang="en-US" dirty="0"/>
               <a:t>Lesson 6.1</a:t>
             </a:r>
           </a:p>
@@ -5068,27 +4984,13 @@
             <a:p>
               <a:r>
                 <a:rPr lang="en-US" sz="1000" dirty="0"/>
-                <a:t>© Mitchell Wand, </a:t>
-              </a:r>
-              <a:r>
-                <a:rPr lang="en-US" sz="1000" dirty="0" smtClean="0"/>
-                <a:t>2012-2015</a:t>
+                <a:t>© Mitchell Wand, 2012-2016</a:t>
               </a:r>
             </a:p>
             <a:p>
               <a:r>
-                <a:rPr lang="en-US" sz="1000" dirty="0" smtClean="0"/>
+                <a:rPr lang="en-US" sz="1000" dirty="0"/>
                 <a:t>This work is licensed under a </a:t>
-              </a:r>
-              <a:r>
-                <a:rPr lang="en-US" altLang="en-US" sz="1000" dirty="0" smtClean="0">
-                  <a:solidFill>
-                    <a:srgbClr val="4374B7"/>
-                  </a:solidFill>
-                  <a:latin typeface="Helvetica Neue"/>
-                  <a:hlinkClick r:id="rId4"/>
-                </a:rPr>
-                <a:t>Creative </a:t>
               </a:r>
               <a:r>
                 <a:rPr lang="en-US" altLang="en-US" sz="1000" dirty="0">
@@ -5098,7 +5000,7 @@
                   <a:latin typeface="Helvetica Neue"/>
                   <a:hlinkClick r:id="rId4"/>
                 </a:rPr>
-                <a:t>Commons Attribution-</a:t>
+                <a:t>Creative Commons Attribution-</a:t>
               </a:r>
               <a:r>
                 <a:rPr lang="en-US" altLang="en-US" sz="1000" dirty="0" err="1">
@@ -5121,10 +5023,9 @@
                 <a:t> 4.0 International License</a:t>
               </a:r>
               <a:r>
-                <a:rPr lang="en-US" sz="1000" dirty="0" smtClean="0"/>
+                <a:rPr lang="en-US" sz="1000" dirty="0"/>
                 <a:t>.</a:t>
               </a:r>
-              <a:endParaRPr lang="en-US" sz="1000" dirty="0"/>
             </a:p>
           </p:txBody>
         </p:sp>
@@ -5139,13 +5040,6 @@
   <p:clrMapOvr>
     <a:masterClrMapping/>
   </p:clrMapOvr>
-  <p:timing>
-    <p:tnLst>
-      <p:par>
-        <p:cTn id="1" dur="indefinite" restart="never" nodeType="tmRoot"/>
-      </p:par>
-    </p:tnLst>
-  </p:timing>
 </p:sld>
 </file>
 
@@ -5184,11 +5078,11 @@
           <a:lstStyle/>
           <a:p>
             <a:r>
-              <a:rPr lang="en-US" dirty="0" smtClean="0"/>
+              <a:rPr lang="en-US" dirty="0"/>
               <a:t>This data definition is </a:t>
             </a:r>
             <a:r>
-              <a:rPr lang="en-US" i="1" dirty="0" smtClean="0">
+              <a:rPr lang="en-US" i="1" dirty="0">
                 <a:solidFill>
                   <a:srgbClr val="FF0000"/>
                 </a:solidFill>
@@ -5220,21 +5114,21 @@
               <a:buNone/>
             </a:pPr>
             <a:r>
-              <a:rPr lang="en-US" sz="2400" b="1" dirty="0" smtClean="0">
+              <a:rPr lang="en-US" sz="2400" b="1" dirty="0">
                 <a:latin typeface="Consolas" pitchFamily="49" charset="0"/>
                 <a:cs typeface="Consolas" pitchFamily="49" charset="0"/>
               </a:rPr>
               <a:t>(define-</a:t>
             </a:r>
             <a:r>
-              <a:rPr lang="en-US" sz="2400" b="1" dirty="0" err="1" smtClean="0">
+              <a:rPr lang="en-US" sz="2400" b="1" dirty="0" err="1">
                 <a:latin typeface="Consolas" pitchFamily="49" charset="0"/>
                 <a:cs typeface="Consolas" pitchFamily="49" charset="0"/>
               </a:rPr>
               <a:t>struct</a:t>
             </a:r>
             <a:r>
-              <a:rPr lang="en-US" sz="2400" b="1" dirty="0" smtClean="0">
+              <a:rPr lang="en-US" sz="2400" b="1" dirty="0">
                 <a:latin typeface="Consolas" pitchFamily="49" charset="0"/>
                 <a:cs typeface="Consolas" pitchFamily="49" charset="0"/>
               </a:rPr>
@@ -5246,7 +5140,7 @@
               <a:buNone/>
             </a:pPr>
             <a:r>
-              <a:rPr lang="en-US" sz="2400" b="1" dirty="0" smtClean="0">
+              <a:rPr lang="en-US" sz="2400" b="1" dirty="0">
                 <a:latin typeface="Consolas" pitchFamily="49" charset="0"/>
                 <a:cs typeface="Consolas" pitchFamily="49" charset="0"/>
               </a:rPr>
@@ -5258,14 +5152,14 @@
               <a:buNone/>
             </a:pPr>
             <a:r>
-              <a:rPr lang="en-US" sz="2400" b="1" dirty="0" smtClean="0">
+              <a:rPr lang="en-US" sz="2400" b="1" dirty="0">
                 <a:latin typeface="Consolas" pitchFamily="49" charset="0"/>
                 <a:cs typeface="Consolas" pitchFamily="49" charset="0"/>
               </a:rPr>
               <a:t>A </a:t>
             </a:r>
             <a:r>
-              <a:rPr lang="en-US" sz="2400" b="1" dirty="0" smtClean="0">
+              <a:rPr lang="en-US" sz="2400" b="1" dirty="0">
                 <a:solidFill>
                   <a:srgbClr val="FF0000"/>
                 </a:solidFill>
@@ -5275,7 +5169,7 @@
               <a:t>Pizza</a:t>
             </a:r>
             <a:r>
-              <a:rPr lang="en-US" sz="2400" b="1" dirty="0" smtClean="0">
+              <a:rPr lang="en-US" sz="2400" b="1" dirty="0">
                 <a:latin typeface="Consolas" pitchFamily="49" charset="0"/>
                 <a:cs typeface="Consolas" pitchFamily="49" charset="0"/>
               </a:rPr>
@@ -5287,18 +5181,11 @@
               <a:buNone/>
             </a:pPr>
             <a:r>
-              <a:rPr lang="en-US" sz="2400" b="1" dirty="0" smtClean="0">
-                <a:latin typeface="Consolas" pitchFamily="49" charset="0"/>
-                <a:cs typeface="Consolas" pitchFamily="49" charset="0"/>
-              </a:rPr>
-              <a:t>-- </a:t>
-            </a:r>
-            <a:r>
               <a:rPr lang="en-US" sz="2400" b="1" dirty="0">
                 <a:latin typeface="Consolas" pitchFamily="49" charset="0"/>
                 <a:cs typeface="Consolas" pitchFamily="49" charset="0"/>
               </a:rPr>
-              <a:t>(make-plain-pizza)</a:t>
+              <a:t>-- (make-plain-pizza)</a:t>
             </a:r>
           </a:p>
           <a:p>
@@ -5306,14 +5193,14 @@
               <a:buNone/>
             </a:pPr>
             <a:r>
-              <a:rPr lang="en-US" sz="2400" b="1" dirty="0" smtClean="0">
+              <a:rPr lang="en-US" sz="2400" b="1" dirty="0">
                 <a:latin typeface="Consolas" pitchFamily="49" charset="0"/>
                 <a:cs typeface="Consolas" pitchFamily="49" charset="0"/>
               </a:rPr>
               <a:t>-- (make-topped-pizza Topping </a:t>
             </a:r>
             <a:r>
-              <a:rPr lang="en-US" sz="2400" b="1" dirty="0" smtClean="0">
+              <a:rPr lang="en-US" sz="2400" b="1" dirty="0">
                 <a:solidFill>
                   <a:srgbClr val="FF0000"/>
                 </a:solidFill>
@@ -5323,7 +5210,7 @@
               <a:t>Pizza</a:t>
             </a:r>
             <a:r>
-              <a:rPr lang="en-US" sz="2400" b="1" dirty="0" smtClean="0">
+              <a:rPr lang="en-US" sz="2400" b="1" dirty="0">
                 <a:latin typeface="Consolas" pitchFamily="49" charset="0"/>
                 <a:cs typeface="Consolas" pitchFamily="49" charset="0"/>
               </a:rPr>
@@ -5408,7 +5295,7 @@
           <a:lstStyle/>
           <a:p>
             <a:pPr algn="ctr"/>
-            <a:endParaRPr lang="en-US" dirty="0" smtClean="0">
+            <a:endParaRPr lang="en-US" dirty="0">
               <a:solidFill>
                 <a:schemeClr val="tx1"/>
               </a:solidFill>
@@ -5448,13 +5335,13 @@
           </p:spPr>
           <p:style>
             <a:lnRef idx="1">
-              <a:schemeClr val="accent6"/>
+              <a:schemeClr val="dk1"/>
             </a:lnRef>
             <a:fillRef idx="2">
-              <a:schemeClr val="accent6"/>
+              <a:schemeClr val="dk1"/>
             </a:fillRef>
             <a:effectRef idx="1">
-              <a:schemeClr val="accent6"/>
+              <a:schemeClr val="dk1"/>
             </a:effectRef>
             <a:fontRef idx="minor">
               <a:schemeClr val="dk1"/>
@@ -5465,7 +5352,7 @@
             <a:lstStyle/>
             <a:p>
               <a:r>
-                <a:rPr lang="en-US" sz="2400" b="1" dirty="0" smtClean="0">
+                <a:rPr lang="en-US" sz="2400" b="1" dirty="0">
                   <a:solidFill>
                     <a:schemeClr val="tx1"/>
                   </a:solidFill>
@@ -5476,7 +5363,7 @@
               </a:r>
             </a:p>
             <a:p>
-              <a:endParaRPr lang="en-US" sz="2400" b="1" dirty="0" smtClean="0">
+              <a:endParaRPr lang="en-US" sz="2400" b="1" dirty="0">
                 <a:solidFill>
                   <a:schemeClr val="tx1"/>
                 </a:solidFill>
@@ -5486,7 +5373,7 @@
             </a:p>
             <a:p>
               <a:r>
-                <a:rPr lang="en-US" sz="2400" b="1" dirty="0" smtClean="0">
+                <a:rPr lang="en-US" sz="2400" b="1" dirty="0">
                   <a:solidFill>
                     <a:schemeClr val="tx1"/>
                   </a:solidFill>
@@ -5496,7 +5383,7 @@
                 <a:t>A </a:t>
               </a:r>
               <a:r>
-                <a:rPr lang="en-US" sz="2400" b="1" dirty="0" err="1" smtClean="0">
+                <a:rPr lang="en-US" sz="2400" b="1" dirty="0" err="1">
                   <a:solidFill>
                     <a:schemeClr val="tx1"/>
                   </a:solidFill>
@@ -5506,7 +5393,7 @@
                 <a:t>ListOfToppings</a:t>
               </a:r>
               <a:r>
-                <a:rPr lang="en-US" sz="2400" b="1" dirty="0" smtClean="0">
+                <a:rPr lang="en-US" sz="2400" b="1" dirty="0">
                   <a:solidFill>
                     <a:schemeClr val="tx1"/>
                   </a:solidFill>
@@ -5518,7 +5405,7 @@
             </a:p>
             <a:p>
               <a:r>
-                <a:rPr lang="en-US" sz="2400" b="1" dirty="0" smtClean="0">
+                <a:rPr lang="en-US" sz="2400" b="1" dirty="0">
                   <a:solidFill>
                     <a:schemeClr val="tx1"/>
                   </a:solidFill>
@@ -5530,7 +5417,7 @@
             </a:p>
             <a:p>
               <a:r>
-                <a:rPr lang="en-US" sz="2400" b="1" dirty="0" smtClean="0">
+                <a:rPr lang="en-US" sz="2400" b="1" dirty="0">
                   <a:solidFill>
                     <a:schemeClr val="tx1"/>
                   </a:solidFill>
@@ -5540,7 +5427,7 @@
                 <a:t>-- (cons Topping </a:t>
               </a:r>
               <a:r>
-                <a:rPr lang="en-US" sz="2400" b="1" dirty="0" err="1" smtClean="0">
+                <a:rPr lang="en-US" sz="2400" b="1" dirty="0" err="1">
                   <a:solidFill>
                     <a:schemeClr val="tx1"/>
                   </a:solidFill>
@@ -5550,7 +5437,7 @@
                 <a:t>ListOfToppings</a:t>
               </a:r>
               <a:r>
-                <a:rPr lang="en-US" sz="2400" b="1" dirty="0" smtClean="0">
+                <a:rPr lang="en-US" sz="2400" b="1" dirty="0">
                   <a:solidFill>
                     <a:schemeClr val="tx1"/>
                   </a:solidFill>
@@ -5582,21 +5469,23 @@
               </a:avLst>
             </a:prstGeom>
             <a:solidFill>
-              <a:schemeClr val="accent1">
-                <a:alpha val="15000"/>
+              <a:schemeClr val="tx2">
+                <a:lumMod val="20000"/>
+                <a:lumOff val="80000"/>
+                <a:alpha val="59000"/>
               </a:schemeClr>
             </a:solidFill>
             <a:ln/>
           </p:spPr>
           <p:style>
             <a:lnRef idx="1">
-              <a:schemeClr val="accent1"/>
+              <a:schemeClr val="dk1"/>
             </a:lnRef>
             <a:fillRef idx="2">
-              <a:schemeClr val="accent1"/>
+              <a:schemeClr val="dk1"/>
             </a:fillRef>
             <a:effectRef idx="1">
-              <a:schemeClr val="accent1"/>
+              <a:schemeClr val="dk1"/>
             </a:effectRef>
             <a:fontRef idx="minor">
               <a:schemeClr val="dk1"/>
@@ -5607,7 +5496,7 @@
             <a:lstStyle/>
             <a:p>
               <a:pPr algn="ctr"/>
-              <a:endParaRPr lang="en-US" dirty="0" smtClean="0">
+              <a:endParaRPr lang="en-US" dirty="0">
                 <a:solidFill>
                   <a:schemeClr val="tx1"/>
                 </a:solidFill>
@@ -5684,15 +5573,7 @@
                   <a:schemeClr val="tx1"/>
                 </a:solidFill>
               </a:rPr>
-              <a:t> was</a:t>
-            </a:r>
-            <a:r>
-              <a:rPr lang="en-US" sz="1600" dirty="0" smtClean="0">
-                <a:solidFill>
-                  <a:schemeClr val="tx1"/>
-                </a:solidFill>
-              </a:rPr>
-              <a:t>.</a:t>
+              <a:t> was.</a:t>
             </a:r>
           </a:p>
         </p:txBody>
@@ -5882,10 +5763,9 @@
           <a:lstStyle/>
           <a:p>
             <a:r>
-              <a:rPr lang="en-US" dirty="0" smtClean="0"/>
+              <a:rPr lang="en-US" dirty="0"/>
               <a:t>Examples</a:t>
             </a:r>
-            <a:endParaRPr lang="en-US" dirty="0"/>
           </a:p>
         </p:txBody>
       </p:sp>
@@ -5910,7 +5790,7 @@
               <a:buNone/>
             </a:pPr>
             <a:r>
-              <a:rPr lang="en-US" sz="2000" b="1" dirty="0" smtClean="0">
+              <a:rPr lang="en-US" sz="2000" b="1" dirty="0">
                 <a:latin typeface="Consolas" pitchFamily="49" charset="0"/>
                 <a:cs typeface="Consolas" pitchFamily="49" charset="0"/>
               </a:rPr>
@@ -5921,7 +5801,7 @@
             <a:pPr>
               <a:buNone/>
             </a:pPr>
-            <a:endParaRPr lang="en-US" sz="2000" b="1" dirty="0" smtClean="0">
+            <a:endParaRPr lang="en-US" sz="2000" b="1" dirty="0">
               <a:latin typeface="Consolas" pitchFamily="49" charset="0"/>
               <a:cs typeface="Consolas" pitchFamily="49" charset="0"/>
             </a:endParaRPr>
@@ -5931,7 +5811,7 @@
               <a:buNone/>
             </a:pPr>
             <a:r>
-              <a:rPr lang="en-US" sz="2000" b="1" dirty="0" smtClean="0">
+              <a:rPr lang="en-US" sz="2000" b="1" dirty="0">
                 <a:latin typeface="Consolas" pitchFamily="49" charset="0"/>
                 <a:cs typeface="Consolas" pitchFamily="49" charset="0"/>
               </a:rPr>
@@ -5942,7 +5822,7 @@
             <a:pPr>
               <a:buNone/>
             </a:pPr>
-            <a:endParaRPr lang="en-US" sz="2000" b="1" dirty="0" smtClean="0">
+            <a:endParaRPr lang="en-US" sz="2000" b="1" dirty="0">
               <a:latin typeface="Consolas" pitchFamily="49" charset="0"/>
               <a:cs typeface="Consolas" pitchFamily="49" charset="0"/>
             </a:endParaRPr>
@@ -5952,7 +5832,7 @@
               <a:buNone/>
             </a:pPr>
             <a:r>
-              <a:rPr lang="en-US" sz="2000" b="1" dirty="0" smtClean="0">
+              <a:rPr lang="en-US" sz="2000" b="1" dirty="0">
                 <a:latin typeface="Consolas" pitchFamily="49" charset="0"/>
                 <a:cs typeface="Consolas" pitchFamily="49" charset="0"/>
               </a:rPr>
@@ -5964,7 +5844,7 @@
               <a:buNone/>
             </a:pPr>
             <a:r>
-              <a:rPr lang="en-US" sz="2000" b="1" dirty="0" smtClean="0">
+              <a:rPr lang="en-US" sz="2000" b="1" dirty="0">
                 <a:latin typeface="Consolas" pitchFamily="49" charset="0"/>
                 <a:cs typeface="Consolas" pitchFamily="49" charset="0"/>
               </a:rPr>
@@ -5975,7 +5855,7 @@
             <a:pPr>
               <a:buNone/>
             </a:pPr>
-            <a:endParaRPr lang="en-US" sz="2000" b="1" dirty="0" smtClean="0">
+            <a:endParaRPr lang="en-US" sz="2000" b="1" dirty="0">
               <a:latin typeface="Consolas" pitchFamily="49" charset="0"/>
               <a:cs typeface="Consolas" pitchFamily="49" charset="0"/>
             </a:endParaRPr>
@@ -5985,7 +5865,7 @@
               <a:buNone/>
             </a:pPr>
             <a:r>
-              <a:rPr lang="en-US" sz="2000" b="1" dirty="0" smtClean="0">
+              <a:rPr lang="en-US" sz="2000" b="1" dirty="0">
                 <a:latin typeface="Consolas" pitchFamily="49" charset="0"/>
                 <a:cs typeface="Consolas" pitchFamily="49" charset="0"/>
               </a:rPr>
@@ -5997,7 +5877,7 @@
               <a:buNone/>
             </a:pPr>
             <a:r>
-              <a:rPr lang="en-US" sz="2000" b="1" dirty="0" smtClean="0">
+              <a:rPr lang="en-US" sz="2000" b="1" dirty="0">
                 <a:latin typeface="Consolas" pitchFamily="49" charset="0"/>
                 <a:cs typeface="Consolas" pitchFamily="49" charset="0"/>
               </a:rPr>
@@ -6009,7 +5889,7 @@
               <a:buNone/>
             </a:pPr>
             <a:r>
-              <a:rPr lang="en-US" sz="2000" b="1" dirty="0" smtClean="0">
+              <a:rPr lang="en-US" sz="2000" b="1" dirty="0">
                 <a:latin typeface="Consolas" pitchFamily="49" charset="0"/>
                 <a:cs typeface="Consolas" pitchFamily="49" charset="0"/>
               </a:rPr>
@@ -6021,10 +5901,9 @@
               <a:buNone/>
             </a:pPr>
             <a:r>
-              <a:rPr lang="en-US" sz="2000" dirty="0" smtClean="0"/>
+              <a:rPr lang="en-US" sz="2000" dirty="0"/>
               <a:t> </a:t>
             </a:r>
-            <a:endParaRPr lang="en-US" sz="2000" dirty="0"/>
           </a:p>
         </p:txBody>
       </p:sp>
@@ -6154,18 +6033,13 @@
           <a:p>
             <a:pPr algn="ctr"/>
             <a:r>
-              <a:rPr lang="en-US" sz="1600" dirty="0" smtClean="0">
+              <a:rPr lang="en-US" sz="1600" dirty="0">
                 <a:solidFill>
                   <a:schemeClr val="tx1"/>
                 </a:solidFill>
               </a:rPr>
               <a:t>Can you see why each of these is a Pizza, according to our new definition?</a:t>
             </a:r>
-            <a:endParaRPr lang="en-US" sz="1600" dirty="0">
-              <a:solidFill>
-                <a:schemeClr val="tx1"/>
-              </a:solidFill>
-            </a:endParaRPr>
           </a:p>
         </p:txBody>
       </p:sp>
@@ -6234,19 +6108,8 @@
                 <a:latin typeface="Consolas" pitchFamily="49" charset="0"/>
                 <a:cs typeface="Consolas" pitchFamily="49" charset="0"/>
               </a:rPr>
-              <a:t>-- </a:t>
-            </a:r>
-            <a:r>
-              <a:rPr lang="en-US" sz="1400" b="1" dirty="0" smtClean="0">
-                <a:latin typeface="Consolas" pitchFamily="49" charset="0"/>
-                <a:cs typeface="Consolas" pitchFamily="49" charset="0"/>
-              </a:rPr>
-              <a:t>(make-plain-pizza)</a:t>
-            </a:r>
-            <a:endParaRPr lang="en-US" sz="1400" b="1" dirty="0">
-              <a:latin typeface="Consolas" pitchFamily="49" charset="0"/>
-              <a:cs typeface="Consolas" pitchFamily="49" charset="0"/>
-            </a:endParaRPr>
+              <a:t>-- (make-plain-pizza)</a:t>
+            </a:r>
           </a:p>
           <a:p>
             <a:pPr>
@@ -6432,10 +6295,9 @@
           <a:lstStyle/>
           <a:p>
             <a:r>
-              <a:rPr lang="en-US" dirty="0" smtClean="0"/>
+              <a:rPr lang="en-US" dirty="0"/>
               <a:t>Template for pizza functions</a:t>
             </a:r>
-            <a:endParaRPr lang="en-US" dirty="0"/>
           </a:p>
         </p:txBody>
       </p:sp>
@@ -6465,7 +6327,7 @@
               <a:buNone/>
             </a:pPr>
             <a:r>
-              <a:rPr lang="en-US" sz="2600" b="1" dirty="0" smtClean="0">
+              <a:rPr lang="en-US" sz="2600" b="1" dirty="0">
                 <a:latin typeface="Consolas" pitchFamily="49" charset="0"/>
                 <a:cs typeface="Consolas" pitchFamily="49" charset="0"/>
               </a:rPr>
@@ -6477,7 +6339,7 @@
               <a:buNone/>
             </a:pPr>
             <a:r>
-              <a:rPr lang="en-US" sz="2600" b="1" dirty="0" smtClean="0">
+              <a:rPr lang="en-US" sz="2600" b="1" dirty="0">
                 <a:latin typeface="Consolas" pitchFamily="49" charset="0"/>
                 <a:cs typeface="Consolas" pitchFamily="49" charset="0"/>
               </a:rPr>
@@ -6489,20 +6351,20 @@
               <a:buNone/>
             </a:pPr>
             <a:r>
-              <a:rPr lang="en-US" sz="2600" b="1" dirty="0" smtClean="0">
+              <a:rPr lang="en-US" sz="2600" b="1" dirty="0">
                 <a:latin typeface="Consolas" pitchFamily="49" charset="0"/>
                 <a:cs typeface="Consolas" pitchFamily="49" charset="0"/>
               </a:rPr>
               <a:t>  (</a:t>
             </a:r>
             <a:r>
-              <a:rPr lang="en-US" sz="2600" b="1" dirty="0" err="1" smtClean="0">
+              <a:rPr lang="en-US" sz="2600" b="1" dirty="0" err="1">
                 <a:latin typeface="Consolas" pitchFamily="49" charset="0"/>
                 <a:cs typeface="Consolas" pitchFamily="49" charset="0"/>
               </a:rPr>
               <a:t>cond</a:t>
             </a:r>
-            <a:endParaRPr lang="en-US" sz="2600" b="1" dirty="0" smtClean="0">
+            <a:endParaRPr lang="en-US" sz="2600" b="1" dirty="0">
               <a:latin typeface="Consolas" pitchFamily="49" charset="0"/>
               <a:cs typeface="Consolas" pitchFamily="49" charset="0"/>
             </a:endParaRPr>
@@ -6512,7 +6374,7 @@
               <a:buNone/>
             </a:pPr>
             <a:r>
-              <a:rPr lang="en-US" sz="2600" b="1" dirty="0" smtClean="0">
+              <a:rPr lang="en-US" sz="2600" b="1" dirty="0">
                 <a:latin typeface="Consolas" pitchFamily="49" charset="0"/>
                 <a:cs typeface="Consolas" pitchFamily="49" charset="0"/>
               </a:rPr>
@@ -6524,7 +6386,7 @@
               <a:buNone/>
             </a:pPr>
             <a:r>
-              <a:rPr lang="en-US" sz="2600" b="1" dirty="0" smtClean="0">
+              <a:rPr lang="en-US" sz="2600" b="1" dirty="0">
                 <a:latin typeface="Consolas" pitchFamily="49" charset="0"/>
                 <a:cs typeface="Consolas" pitchFamily="49" charset="0"/>
               </a:rPr>
@@ -6536,7 +6398,7 @@
               <a:buNone/>
             </a:pPr>
             <a:r>
-              <a:rPr lang="en-US" sz="2600" b="1" dirty="0" smtClean="0">
+              <a:rPr lang="en-US" sz="2600" b="1" dirty="0">
                 <a:latin typeface="Consolas" pitchFamily="49" charset="0"/>
                 <a:cs typeface="Consolas" pitchFamily="49" charset="0"/>
               </a:rPr>
@@ -6548,7 +6410,7 @@
               <a:buNone/>
             </a:pPr>
             <a:r>
-              <a:rPr lang="en-US" sz="2600" b="1" dirty="0" smtClean="0">
+              <a:rPr lang="en-US" sz="2600" b="1" dirty="0">
                 <a:latin typeface="Consolas" pitchFamily="49" charset="0"/>
                 <a:cs typeface="Consolas" pitchFamily="49" charset="0"/>
               </a:rPr>
@@ -6559,7 +6421,7 @@
             <a:pPr>
               <a:buNone/>
             </a:pPr>
-            <a:endParaRPr lang="en-US" sz="2000" b="1" dirty="0" smtClean="0">
+            <a:endParaRPr lang="en-US" sz="2000" b="1" dirty="0">
               <a:latin typeface="Courier New" pitchFamily="49" charset="0"/>
               <a:cs typeface="Courier New" pitchFamily="49" charset="0"/>
             </a:endParaRPr>
@@ -6599,13 +6461,6 @@
   <p:clrMapOvr>
     <a:masterClrMapping/>
   </p:clrMapOvr>
-  <p:timing>
-    <p:tnLst>
-      <p:par>
-        <p:cTn id="1" dur="indefinite" restart="never" nodeType="tmRoot"/>
-      </p:par>
-    </p:tnLst>
-  </p:timing>
 </p:sld>
 </file>
 
@@ -6642,22 +6497,17 @@
           <a:lstStyle/>
           <a:p>
             <a:r>
-              <a:rPr lang="en-US" dirty="0" smtClean="0"/>
+              <a:rPr lang="en-US" dirty="0"/>
               <a:t>This template is </a:t>
             </a:r>
             <a:r>
-              <a:rPr lang="en-US" i="1" dirty="0" smtClean="0">
+              <a:rPr lang="en-US" i="1" dirty="0">
                 <a:solidFill>
                   <a:srgbClr val="FF0000"/>
                 </a:solidFill>
               </a:rPr>
               <a:t>self-referential</a:t>
             </a:r>
-            <a:endParaRPr lang="en-US" i="1" dirty="0">
-              <a:solidFill>
-                <a:srgbClr val="FF0000"/>
-              </a:solidFill>
-            </a:endParaRPr>
           </a:p>
         </p:txBody>
       </p:sp>
@@ -6682,7 +6532,7 @@
               <a:buNone/>
             </a:pPr>
             <a:r>
-              <a:rPr lang="en-US" sz="2400" b="1" dirty="0" smtClean="0">
+              <a:rPr lang="en-US" sz="2400" b="1" dirty="0">
                 <a:latin typeface="Consolas" pitchFamily="49" charset="0"/>
                 <a:cs typeface="Consolas" pitchFamily="49" charset="0"/>
               </a:rPr>
@@ -6694,14 +6544,14 @@
               <a:buNone/>
             </a:pPr>
             <a:r>
-              <a:rPr lang="en-US" sz="2400" b="1" dirty="0" smtClean="0">
+              <a:rPr lang="en-US" sz="2400" b="1" dirty="0">
                 <a:latin typeface="Consolas" pitchFamily="49" charset="0"/>
                 <a:cs typeface="Consolas" pitchFamily="49" charset="0"/>
               </a:rPr>
               <a:t>(define (</a:t>
             </a:r>
             <a:r>
-              <a:rPr lang="en-US" sz="2400" b="1" dirty="0" smtClean="0">
+              <a:rPr lang="en-US" sz="2400" b="1" dirty="0">
                 <a:solidFill>
                   <a:srgbClr val="FF0000"/>
                 </a:solidFill>
@@ -6711,7 +6561,7 @@
               <a:t>pizza-fn</a:t>
             </a:r>
             <a:r>
-              <a:rPr lang="en-US" sz="2400" b="1" dirty="0" smtClean="0">
+              <a:rPr lang="en-US" sz="2400" b="1" dirty="0">
                 <a:latin typeface="Consolas" pitchFamily="49" charset="0"/>
                 <a:cs typeface="Consolas" pitchFamily="49" charset="0"/>
               </a:rPr>
@@ -6723,20 +6573,20 @@
               <a:buNone/>
             </a:pPr>
             <a:r>
-              <a:rPr lang="en-US" sz="2400" b="1" dirty="0" smtClean="0">
+              <a:rPr lang="en-US" sz="2400" b="1" dirty="0">
                 <a:latin typeface="Consolas" pitchFamily="49" charset="0"/>
                 <a:cs typeface="Consolas" pitchFamily="49" charset="0"/>
               </a:rPr>
               <a:t>  (</a:t>
             </a:r>
             <a:r>
-              <a:rPr lang="en-US" sz="2400" b="1" dirty="0" err="1" smtClean="0">
+              <a:rPr lang="en-US" sz="2400" b="1" dirty="0" err="1">
                 <a:latin typeface="Consolas" pitchFamily="49" charset="0"/>
                 <a:cs typeface="Consolas" pitchFamily="49" charset="0"/>
               </a:rPr>
               <a:t>cond</a:t>
             </a:r>
-            <a:endParaRPr lang="en-US" sz="2400" b="1" dirty="0" smtClean="0">
+            <a:endParaRPr lang="en-US" sz="2400" b="1" dirty="0">
               <a:latin typeface="Consolas" pitchFamily="49" charset="0"/>
               <a:cs typeface="Consolas" pitchFamily="49" charset="0"/>
             </a:endParaRPr>
@@ -6746,7 +6596,7 @@
               <a:buNone/>
             </a:pPr>
             <a:r>
-              <a:rPr lang="en-US" sz="2400" b="1" dirty="0" smtClean="0">
+              <a:rPr lang="en-US" sz="2400" b="1" dirty="0">
                 <a:latin typeface="Consolas" pitchFamily="49" charset="0"/>
                 <a:cs typeface="Consolas" pitchFamily="49" charset="0"/>
               </a:rPr>
@@ -6758,7 +6608,7 @@
               <a:buNone/>
             </a:pPr>
             <a:r>
-              <a:rPr lang="en-US" sz="2400" b="1" dirty="0" smtClean="0">
+              <a:rPr lang="en-US" sz="2400" b="1" dirty="0">
                 <a:latin typeface="Consolas" pitchFamily="49" charset="0"/>
                 <a:cs typeface="Consolas" pitchFamily="49" charset="0"/>
               </a:rPr>
@@ -6770,14 +6620,14 @@
               <a:buNone/>
             </a:pPr>
             <a:r>
-              <a:rPr lang="en-US" sz="2400" b="1" dirty="0" smtClean="0">
+              <a:rPr lang="en-US" sz="2400" b="1" dirty="0">
                 <a:latin typeface="Consolas" pitchFamily="49" charset="0"/>
                 <a:cs typeface="Consolas" pitchFamily="49" charset="0"/>
               </a:rPr>
               <a:t>               (</a:t>
             </a:r>
             <a:r>
-              <a:rPr lang="en-US" sz="2400" b="1" dirty="0" smtClean="0">
+              <a:rPr lang="en-US" sz="2400" b="1" dirty="0">
                 <a:solidFill>
                   <a:srgbClr val="FF0000"/>
                 </a:solidFill>
@@ -6787,7 +6637,7 @@
               <a:t>pizza-fn</a:t>
             </a:r>
             <a:r>
-              <a:rPr lang="en-US" sz="2400" b="1" dirty="0" smtClean="0">
+              <a:rPr lang="en-US" sz="2400" b="1" dirty="0">
                 <a:latin typeface="Consolas" pitchFamily="49" charset="0"/>
                 <a:cs typeface="Consolas" pitchFamily="49" charset="0"/>
               </a:rPr>
@@ -6799,7 +6649,7 @@
               <a:buNone/>
             </a:pPr>
             <a:r>
-              <a:rPr lang="en-US" sz="2400" b="1" dirty="0" smtClean="0">
+              <a:rPr lang="en-US" sz="2400" b="1" dirty="0">
                 <a:latin typeface="Consolas" pitchFamily="49" charset="0"/>
                 <a:cs typeface="Consolas" pitchFamily="49" charset="0"/>
               </a:rPr>
@@ -6810,7 +6660,7 @@
             <a:pPr>
               <a:buNone/>
             </a:pPr>
-            <a:endParaRPr lang="en-US" sz="2000" b="1" dirty="0" smtClean="0">
+            <a:endParaRPr lang="en-US" sz="2000" b="1" dirty="0">
               <a:latin typeface="Courier New" pitchFamily="49" charset="0"/>
               <a:cs typeface="Courier New" pitchFamily="49" charset="0"/>
             </a:endParaRPr>
@@ -6891,7 +6741,7 @@
           <a:lstStyle/>
           <a:p>
             <a:pPr algn="ctr"/>
-            <a:endParaRPr lang="en-US" dirty="0" smtClean="0">
+            <a:endParaRPr lang="en-US" dirty="0">
               <a:solidFill>
                 <a:schemeClr val="tx1"/>
               </a:solidFill>
@@ -6935,7 +6785,7 @@
           <a:p>
             <a:pPr algn="ctr"/>
             <a:r>
-              <a:rPr lang="en-US" sz="2800" dirty="0" smtClean="0">
+              <a:rPr lang="en-US" sz="2800" dirty="0">
                 <a:solidFill>
                   <a:schemeClr val="tx1"/>
                 </a:solidFill>
@@ -6943,7 +6793,7 @@
               <a:t>We also call this a </a:t>
             </a:r>
             <a:r>
-              <a:rPr lang="en-US" sz="2800" i="1" dirty="0" smtClean="0">
+              <a:rPr lang="en-US" sz="2800" i="1" dirty="0">
                 <a:solidFill>
                   <a:srgbClr val="FF0000"/>
                 </a:solidFill>
@@ -6951,7 +6801,7 @@
               <a:t>recursive</a:t>
             </a:r>
             <a:r>
-              <a:rPr lang="en-US" sz="2800" dirty="0" smtClean="0">
+              <a:rPr lang="en-US" sz="2800" dirty="0">
                 <a:solidFill>
                   <a:schemeClr val="tx1"/>
                 </a:solidFill>
@@ -7139,18 +6989,17 @@
           <a:lstStyle/>
           <a:p>
             <a:r>
-              <a:rPr lang="en-US" dirty="0" smtClean="0"/>
+              <a:rPr lang="en-US" dirty="0"/>
               <a:t>Lists </a:t>
             </a:r>
             <a:r>
-              <a:rPr lang="en-US" dirty="0" err="1" smtClean="0"/>
+              <a:rPr lang="en-US" dirty="0" err="1"/>
               <a:t>vs</a:t>
             </a:r>
             <a:r>
-              <a:rPr lang="en-US" dirty="0" smtClean="0"/>
+              <a:rPr lang="en-US" dirty="0"/>
               <a:t> Structures: Data Definitions</a:t>
             </a:r>
-            <a:endParaRPr lang="en-US" dirty="0"/>
           </a:p>
         </p:txBody>
       </p:sp>
@@ -7175,35 +7024,35 @@
               <a:buNone/>
             </a:pPr>
             <a:r>
-              <a:rPr lang="en-US" sz="2600" b="1" dirty="0" smtClean="0">
+              <a:rPr lang="en-US" sz="2600" b="1" dirty="0">
                 <a:latin typeface="Consolas" pitchFamily="49" charset="0"/>
                 <a:cs typeface="Consolas" pitchFamily="49" charset="0"/>
               </a:rPr>
               <a:t>A </a:t>
             </a:r>
             <a:r>
-              <a:rPr lang="en-US" sz="2600" b="1" dirty="0" err="1" smtClean="0">
+              <a:rPr lang="en-US" sz="2600" b="1" dirty="0" err="1">
                 <a:latin typeface="Consolas" pitchFamily="49" charset="0"/>
                 <a:cs typeface="Consolas" pitchFamily="49" charset="0"/>
               </a:rPr>
               <a:t>ListOfToppings</a:t>
             </a:r>
             <a:r>
-              <a:rPr lang="en-US" sz="2600" b="1" dirty="0" smtClean="0">
+              <a:rPr lang="en-US" sz="2600" b="1" dirty="0">
                 <a:latin typeface="Consolas" pitchFamily="49" charset="0"/>
                 <a:cs typeface="Consolas" pitchFamily="49" charset="0"/>
               </a:rPr>
               <a:t> (</a:t>
             </a:r>
             <a:r>
-              <a:rPr lang="en-US" sz="2600" b="1" dirty="0" err="1" smtClean="0">
+              <a:rPr lang="en-US" sz="2600" b="1" dirty="0" err="1">
                 <a:latin typeface="Consolas" pitchFamily="49" charset="0"/>
                 <a:cs typeface="Consolas" pitchFamily="49" charset="0"/>
               </a:rPr>
               <a:t>LoT</a:t>
             </a:r>
             <a:r>
-              <a:rPr lang="en-US" sz="2600" b="1" dirty="0" smtClean="0">
+              <a:rPr lang="en-US" sz="2600" b="1" dirty="0">
                 <a:latin typeface="Consolas" pitchFamily="49" charset="0"/>
                 <a:cs typeface="Consolas" pitchFamily="49" charset="0"/>
               </a:rPr>
@@ -7215,7 +7064,7 @@
               <a:buNone/>
             </a:pPr>
             <a:r>
-              <a:rPr lang="en-US" sz="2600" b="1" dirty="0" smtClean="0">
+              <a:rPr lang="en-US" sz="2600" b="1" dirty="0">
                 <a:latin typeface="Consolas" pitchFamily="49" charset="0"/>
                 <a:cs typeface="Consolas" pitchFamily="49" charset="0"/>
               </a:rPr>
@@ -7227,7 +7076,7 @@
               <a:buNone/>
             </a:pPr>
             <a:r>
-              <a:rPr lang="en-US" sz="2600" b="1" dirty="0" smtClean="0">
+              <a:rPr lang="en-US" sz="2600" b="1" dirty="0">
                 <a:latin typeface="Consolas" pitchFamily="49" charset="0"/>
                 <a:cs typeface="Consolas" pitchFamily="49" charset="0"/>
               </a:rPr>
@@ -7239,21 +7088,21 @@
               <a:buNone/>
             </a:pPr>
             <a:r>
-              <a:rPr lang="en-US" sz="2600" b="1" dirty="0" smtClean="0">
+              <a:rPr lang="en-US" sz="2600" b="1" dirty="0">
                 <a:latin typeface="Consolas" pitchFamily="49" charset="0"/>
                 <a:cs typeface="Consolas" pitchFamily="49" charset="0"/>
               </a:rPr>
               <a:t>-- (cons Topping </a:t>
             </a:r>
             <a:r>
-              <a:rPr lang="en-US" sz="2600" b="1" dirty="0" err="1" smtClean="0">
+              <a:rPr lang="en-US" sz="2600" b="1" dirty="0" err="1">
                 <a:latin typeface="Consolas" pitchFamily="49" charset="0"/>
                 <a:cs typeface="Consolas" pitchFamily="49" charset="0"/>
               </a:rPr>
               <a:t>LoT</a:t>
             </a:r>
             <a:r>
-              <a:rPr lang="en-US" sz="2600" b="1" dirty="0" smtClean="0">
+              <a:rPr lang="en-US" sz="2600" b="1" dirty="0">
                 <a:latin typeface="Consolas" pitchFamily="49" charset="0"/>
                 <a:cs typeface="Consolas" pitchFamily="49" charset="0"/>
               </a:rPr>
@@ -7264,7 +7113,7 @@
             <a:pPr>
               <a:buNone/>
             </a:pPr>
-            <a:endParaRPr lang="en-US" sz="2600" b="1" dirty="0" smtClean="0">
+            <a:endParaRPr lang="en-US" sz="2600" b="1" dirty="0">
               <a:latin typeface="Consolas" pitchFamily="49" charset="0"/>
               <a:cs typeface="Consolas" pitchFamily="49" charset="0"/>
             </a:endParaRPr>
@@ -7273,7 +7122,7 @@
             <a:pPr>
               <a:buNone/>
             </a:pPr>
-            <a:endParaRPr lang="en-US" sz="2600" b="1" dirty="0" smtClean="0">
+            <a:endParaRPr lang="en-US" sz="2600" b="1" dirty="0">
               <a:latin typeface="Consolas" pitchFamily="49" charset="0"/>
               <a:cs typeface="Consolas" pitchFamily="49" charset="0"/>
             </a:endParaRPr>
@@ -7283,14 +7132,14 @@
               <a:buNone/>
             </a:pPr>
             <a:r>
-              <a:rPr lang="en-US" sz="2600" b="1" dirty="0" err="1" smtClean="0">
+              <a:rPr lang="en-US" sz="2600" b="1" dirty="0" err="1">
                 <a:latin typeface="Consolas" pitchFamily="49" charset="0"/>
                 <a:cs typeface="Consolas" pitchFamily="49" charset="0"/>
               </a:rPr>
               <a:t>Interp</a:t>
             </a:r>
             <a:r>
-              <a:rPr lang="en-US" sz="2600" b="1" dirty="0" smtClean="0">
+              <a:rPr lang="en-US" sz="2600" b="1" dirty="0">
                 <a:latin typeface="Consolas" pitchFamily="49" charset="0"/>
                 <a:cs typeface="Consolas" pitchFamily="49" charset="0"/>
               </a:rPr>
@@ -7302,11 +7151,11 @@
               <a:buNone/>
             </a:pPr>
             <a:r>
-              <a:rPr lang="en-US" sz="2600" b="1" dirty="0" smtClean="0">
-                <a:latin typeface="Consolas" pitchFamily="49" charset="0"/>
-                <a:cs typeface="Consolas" pitchFamily="49" charset="0"/>
-              </a:rPr>
-              <a:t>-- empty means a pizza with no toppings</a:t>
+              <a:rPr lang="en-US" sz="2600" b="1" dirty="0">
+                <a:latin typeface="Consolas" pitchFamily="49" charset="0"/>
+                <a:cs typeface="Consolas" pitchFamily="49" charset="0"/>
+              </a:rPr>
+              <a:t>-- empty represents a pizza with no toppings</a:t>
             </a:r>
           </a:p>
           <a:p>
@@ -7314,7 +7163,7 @@
               <a:buNone/>
             </a:pPr>
             <a:r>
-              <a:rPr lang="en-US" sz="2600" b="1" dirty="0" smtClean="0">
+              <a:rPr lang="en-US" sz="2600" b="1" dirty="0">
                 <a:latin typeface="Consolas" pitchFamily="49" charset="0"/>
                 <a:cs typeface="Consolas" pitchFamily="49" charset="0"/>
               </a:rPr>
@@ -7326,7 +7175,7 @@
               <a:buNone/>
             </a:pPr>
             <a:r>
-              <a:rPr lang="en-US" sz="2600" b="1" dirty="0" smtClean="0">
+              <a:rPr lang="en-US" sz="2600" b="1" dirty="0">
                 <a:latin typeface="Consolas" pitchFamily="49" charset="0"/>
                 <a:cs typeface="Consolas" pitchFamily="49" charset="0"/>
               </a:rPr>
@@ -7338,57 +7187,98 @@
               <a:buNone/>
             </a:pPr>
             <a:r>
-              <a:rPr lang="en-US" b="1" dirty="0" smtClean="0">
+              <a:rPr lang="en-US" b="1" dirty="0">
                 <a:latin typeface="Consolas" pitchFamily="49" charset="0"/>
                 <a:cs typeface="Consolas" pitchFamily="49" charset="0"/>
               </a:rPr>
               <a:t> </a:t>
             </a:r>
-            <a:endParaRPr lang="en-US" b="1" dirty="0">
+          </a:p>
+        </p:txBody>
+      </p:sp>
+      <p:sp>
+        <p:nvSpPr>
+          <p:cNvPr id="7" name="Content Placeholder 6"/>
+          <p:cNvSpPr>
+            <a:spLocks noGrp="1"/>
+          </p:cNvSpPr>
+          <p:nvPr>
+            <p:ph sz="half" idx="2"/>
+          </p:nvPr>
+        </p:nvSpPr>
+        <p:spPr>
+          <a:xfrm>
+            <a:off x="4724400" y="1600200"/>
+            <a:ext cx="4343400" cy="4525963"/>
+          </a:xfrm>
+        </p:spPr>
+        <p:txBody>
+          <a:bodyPr>
+            <a:normAutofit fontScale="77500" lnSpcReduction="20000"/>
+          </a:bodyPr>
+          <a:lstStyle/>
+          <a:p>
+            <a:pPr>
+              <a:buNone/>
+            </a:pPr>
+            <a:r>
+              <a:rPr lang="en-US" sz="2600" b="1" dirty="0">
+                <a:latin typeface="Consolas" pitchFamily="49" charset="0"/>
+                <a:cs typeface="Consolas" pitchFamily="49" charset="0"/>
+              </a:rPr>
+              <a:t>A Pizza is either</a:t>
+            </a:r>
+          </a:p>
+          <a:p>
+            <a:pPr>
+              <a:buNone/>
+            </a:pPr>
+            <a:endParaRPr lang="en-US" sz="2600" b="1" dirty="0">
               <a:latin typeface="Consolas" pitchFamily="49" charset="0"/>
               <a:cs typeface="Consolas" pitchFamily="49" charset="0"/>
             </a:endParaRPr>
           </a:p>
-        </p:txBody>
-      </p:sp>
-      <p:sp>
-        <p:nvSpPr>
-          <p:cNvPr id="7" name="Content Placeholder 6"/>
-          <p:cNvSpPr>
-            <a:spLocks noGrp="1"/>
-          </p:cNvSpPr>
-          <p:nvPr>
-            <p:ph sz="half" idx="2"/>
-          </p:nvPr>
-        </p:nvSpPr>
-        <p:spPr>
-          <a:xfrm>
-            <a:off x="4724400" y="1600200"/>
-            <a:ext cx="4648200" cy="4525963"/>
-          </a:xfrm>
-        </p:spPr>
-        <p:txBody>
-          <a:bodyPr>
-            <a:normAutofit fontScale="77500" lnSpcReduction="20000"/>
-          </a:bodyPr>
-          <a:lstStyle/>
           <a:p>
             <a:pPr>
               <a:buNone/>
             </a:pPr>
             <a:r>
-              <a:rPr lang="en-US" sz="2600" b="1" dirty="0" smtClean="0">
-                <a:latin typeface="Consolas" pitchFamily="49" charset="0"/>
-                <a:cs typeface="Consolas" pitchFamily="49" charset="0"/>
-              </a:rPr>
-              <a:t>A Pizza is either</a:t>
+              <a:rPr lang="en-US" sz="2600" b="1" dirty="0">
+                <a:latin typeface="Consolas" pitchFamily="49" charset="0"/>
+                <a:cs typeface="Consolas" pitchFamily="49" charset="0"/>
+              </a:rPr>
+              <a:t>-- (make-plain-pizza)</a:t>
             </a:r>
           </a:p>
           <a:p>
             <a:pPr>
               <a:buNone/>
             </a:pPr>
-            <a:endParaRPr lang="en-US" sz="2600" b="1" dirty="0" smtClean="0">
+            <a:r>
+              <a:rPr lang="en-US" sz="2600" b="1" dirty="0">
+                <a:latin typeface="Consolas" pitchFamily="49" charset="0"/>
+                <a:cs typeface="Consolas" pitchFamily="49" charset="0"/>
+              </a:rPr>
+              <a:t>-- (make-topped-pizza</a:t>
+            </a:r>
+          </a:p>
+          <a:p>
+            <a:pPr>
+              <a:buNone/>
+            </a:pPr>
+            <a:r>
+              <a:rPr lang="en-US" sz="2600" b="1" dirty="0">
+                <a:latin typeface="Consolas" pitchFamily="49" charset="0"/>
+                <a:cs typeface="Consolas" pitchFamily="49" charset="0"/>
+              </a:rPr>
+              <a:t>       Topping Pizza)</a:t>
+            </a:r>
+          </a:p>
+          <a:p>
+            <a:pPr>
+              <a:buNone/>
+            </a:pPr>
+            <a:endParaRPr lang="en-US" sz="2600" b="1" dirty="0">
               <a:latin typeface="Consolas" pitchFamily="49" charset="0"/>
               <a:cs typeface="Consolas" pitchFamily="49" charset="0"/>
             </a:endParaRPr>
@@ -7398,11 +7288,18 @@
               <a:buNone/>
             </a:pPr>
             <a:r>
-              <a:rPr lang="en-US" sz="2600" b="1" dirty="0" smtClean="0">
-                <a:latin typeface="Consolas" pitchFamily="49" charset="0"/>
-                <a:cs typeface="Consolas" pitchFamily="49" charset="0"/>
-              </a:rPr>
-              <a:t>-- (make-plain-pizza)</a:t>
+              <a:rPr lang="en-US" sz="2600" b="1" dirty="0" err="1">
+                <a:latin typeface="Consolas" pitchFamily="49" charset="0"/>
+                <a:cs typeface="Consolas" pitchFamily="49" charset="0"/>
+              </a:rPr>
+              <a:t>Interp</a:t>
+            </a:r>
+            <a:r>
+              <a:rPr lang="en-US" sz="2600" b="1" dirty="0">
+                <a:latin typeface="Consolas" pitchFamily="49" charset="0"/>
+                <a:cs typeface="Consolas" pitchFamily="49" charset="0"/>
+              </a:rPr>
+              <a:t>:</a:t>
             </a:r>
           </a:p>
           <a:p>
@@ -7410,11 +7307,11 @@
               <a:buNone/>
             </a:pPr>
             <a:r>
-              <a:rPr lang="en-US" sz="2600" b="1" dirty="0" smtClean="0">
-                <a:latin typeface="Consolas" pitchFamily="49" charset="0"/>
-                <a:cs typeface="Consolas" pitchFamily="49" charset="0"/>
-              </a:rPr>
-              <a:t>-- (make-topped-pizza</a:t>
+              <a:rPr lang="en-US" sz="2600" b="1" dirty="0">
+                <a:latin typeface="Consolas" pitchFamily="49" charset="0"/>
+                <a:cs typeface="Consolas" pitchFamily="49" charset="0"/>
+              </a:rPr>
+              <a:t>(make-plain-pizza) represents a pizza with no toppings</a:t>
             </a:r>
           </a:p>
           <a:p>
@@ -7422,59 +7319,7 @@
               <a:buNone/>
             </a:pPr>
             <a:r>
-              <a:rPr lang="en-US" sz="2600" b="1" dirty="0" smtClean="0">
-                <a:latin typeface="Consolas" pitchFamily="49" charset="0"/>
-                <a:cs typeface="Consolas" pitchFamily="49" charset="0"/>
-              </a:rPr>
-              <a:t>       Topping Pizza)</a:t>
-            </a:r>
-          </a:p>
-          <a:p>
-            <a:pPr>
-              <a:buNone/>
-            </a:pPr>
-            <a:endParaRPr lang="en-US" sz="2600" b="1" dirty="0" smtClean="0">
-              <a:latin typeface="Consolas" pitchFamily="49" charset="0"/>
-              <a:cs typeface="Consolas" pitchFamily="49" charset="0"/>
-            </a:endParaRPr>
-          </a:p>
-          <a:p>
-            <a:pPr>
-              <a:buNone/>
-            </a:pPr>
-            <a:r>
-              <a:rPr lang="en-US" sz="2600" b="1" dirty="0" err="1" smtClean="0">
-                <a:latin typeface="Consolas" pitchFamily="49" charset="0"/>
-                <a:cs typeface="Consolas" pitchFamily="49" charset="0"/>
-              </a:rPr>
-              <a:t>Interp</a:t>
-            </a:r>
-            <a:r>
-              <a:rPr lang="en-US" sz="2600" b="1" dirty="0" smtClean="0">
-                <a:latin typeface="Consolas" pitchFamily="49" charset="0"/>
-                <a:cs typeface="Consolas" pitchFamily="49" charset="0"/>
-              </a:rPr>
-              <a:t>:</a:t>
-            </a:r>
-          </a:p>
-          <a:p>
-            <a:pPr>
-              <a:buNone/>
-            </a:pPr>
-            <a:r>
-              <a:rPr lang="en-US" sz="2600" b="1" dirty="0" smtClean="0">
-                <a:latin typeface="Consolas" pitchFamily="49" charset="0"/>
-                <a:cs typeface="Consolas" pitchFamily="49" charset="0"/>
-              </a:rPr>
-              <a:t>(make-plain-pizza) means a pizza with no toppings</a:t>
-            </a:r>
-          </a:p>
-          <a:p>
-            <a:pPr>
-              <a:buNone/>
-            </a:pPr>
-            <a:r>
-              <a:rPr lang="en-US" sz="2600" b="1" dirty="0" smtClean="0">
+              <a:rPr lang="en-US" sz="2600" b="1" dirty="0">
                 <a:latin typeface="Consolas" pitchFamily="49" charset="0"/>
                 <a:cs typeface="Consolas" pitchFamily="49" charset="0"/>
               </a:rPr>
@@ -7544,7 +7389,7 @@
           <a:lstStyle/>
           <a:p>
             <a:pPr algn="ctr"/>
-            <a:endParaRPr lang="en-US" dirty="0" smtClean="0">
+            <a:endParaRPr lang="en-US" dirty="0">
               <a:solidFill>
                 <a:schemeClr val="tx1"/>
               </a:solidFill>
@@ -7587,7 +7432,7 @@
           <a:lstStyle/>
           <a:p>
             <a:pPr algn="ctr"/>
-            <a:endParaRPr lang="en-US" dirty="0" smtClean="0">
+            <a:endParaRPr lang="en-US" dirty="0">
               <a:solidFill>
                 <a:schemeClr val="tx1"/>
               </a:solidFill>
@@ -7655,15 +7500,7 @@
           <a:p>
             <a:r>
               <a:rPr lang="en-US" sz="1600" dirty="0"/>
-              <a:t>You could represent </a:t>
-            </a:r>
-            <a:r>
-              <a:rPr lang="en-US" sz="1600" dirty="0" smtClean="0"/>
-              <a:t>pizzas </a:t>
-            </a:r>
-            <a:r>
-              <a:rPr lang="en-US" sz="1600" dirty="0"/>
-              <a:t>either by lists or structures.</a:t>
+              <a:t>You could represent pizzas either by lists or structures.</a:t>
             </a:r>
           </a:p>
         </p:txBody>
@@ -7678,13 +7515,6 @@
   <p:clrMapOvr>
     <a:masterClrMapping/>
   </p:clrMapOvr>
-  <p:timing>
-    <p:tnLst>
-      <p:par>
-        <p:cTn id="1" dur="indefinite" restart="never" nodeType="tmRoot"/>
-      </p:par>
-    </p:tnLst>
-  </p:timing>
 </p:sld>
 </file>
 
@@ -7721,10 +7551,9 @@
           <a:lstStyle/>
           <a:p>
             <a:r>
-              <a:rPr lang="en-US" dirty="0" smtClean="0"/>
+              <a:rPr lang="en-US" dirty="0"/>
               <a:t>Lists vs. Structures: Templates</a:t>
             </a:r>
-            <a:endParaRPr lang="en-US" dirty="0"/>
           </a:p>
         </p:txBody>
       </p:sp>
@@ -7749,7 +7578,7 @@
               <a:buNone/>
             </a:pPr>
             <a:r>
-              <a:rPr lang="en-US" sz="2400" b="1" dirty="0" smtClean="0">
+              <a:rPr lang="en-US" sz="2400" b="1" dirty="0">
                 <a:latin typeface="Consolas" pitchFamily="49" charset="0"/>
                 <a:cs typeface="Consolas" pitchFamily="49" charset="0"/>
               </a:rPr>
@@ -7761,14 +7590,14 @@
               <a:buNone/>
             </a:pPr>
             <a:r>
-              <a:rPr lang="en-US" sz="2400" b="1" dirty="0" smtClean="0">
+              <a:rPr lang="en-US" sz="2400" b="1" dirty="0">
                 <a:latin typeface="Consolas" pitchFamily="49" charset="0"/>
                 <a:cs typeface="Consolas" pitchFamily="49" charset="0"/>
               </a:rPr>
               <a:t>(define (</a:t>
             </a:r>
             <a:r>
-              <a:rPr lang="en-US" sz="2400" b="1" dirty="0" smtClean="0">
+              <a:rPr lang="en-US" sz="2400" b="1" dirty="0">
                 <a:solidFill>
                   <a:srgbClr val="FF0000"/>
                 </a:solidFill>
@@ -7778,7 +7607,7 @@
               <a:t>pizza-fn</a:t>
             </a:r>
             <a:r>
-              <a:rPr lang="en-US" sz="2400" b="1" dirty="0" smtClean="0">
+              <a:rPr lang="en-US" sz="2400" b="1" dirty="0">
                 <a:latin typeface="Consolas" pitchFamily="49" charset="0"/>
                 <a:cs typeface="Consolas" pitchFamily="49" charset="0"/>
               </a:rPr>
@@ -7790,20 +7619,20 @@
               <a:buNone/>
             </a:pPr>
             <a:r>
-              <a:rPr lang="en-US" sz="2400" b="1" dirty="0" smtClean="0">
+              <a:rPr lang="en-US" sz="2400" b="1" dirty="0">
                 <a:latin typeface="Consolas" pitchFamily="49" charset="0"/>
                 <a:cs typeface="Consolas" pitchFamily="49" charset="0"/>
               </a:rPr>
               <a:t>  (</a:t>
             </a:r>
             <a:r>
-              <a:rPr lang="en-US" sz="2400" b="1" dirty="0" err="1" smtClean="0">
+              <a:rPr lang="en-US" sz="2400" b="1" dirty="0" err="1">
                 <a:latin typeface="Consolas" pitchFamily="49" charset="0"/>
                 <a:cs typeface="Consolas" pitchFamily="49" charset="0"/>
               </a:rPr>
               <a:t>cond</a:t>
             </a:r>
-            <a:endParaRPr lang="en-US" sz="2400" b="1" dirty="0" smtClean="0">
+            <a:endParaRPr lang="en-US" sz="2400" b="1" dirty="0">
               <a:latin typeface="Consolas" pitchFamily="49" charset="0"/>
               <a:cs typeface="Consolas" pitchFamily="49" charset="0"/>
             </a:endParaRPr>
@@ -7813,7 +7642,7 @@
               <a:buNone/>
             </a:pPr>
             <a:r>
-              <a:rPr lang="en-US" sz="2400" b="1" dirty="0" smtClean="0">
+              <a:rPr lang="en-US" sz="2400" b="1" dirty="0">
                 <a:latin typeface="Consolas" pitchFamily="49" charset="0"/>
                 <a:cs typeface="Consolas" pitchFamily="49" charset="0"/>
               </a:rPr>
@@ -7825,7 +7654,7 @@
               <a:buNone/>
             </a:pPr>
             <a:r>
-              <a:rPr lang="en-US" sz="2400" b="1" dirty="0" smtClean="0">
+              <a:rPr lang="en-US" sz="2400" b="1" dirty="0">
                 <a:latin typeface="Consolas" pitchFamily="49" charset="0"/>
                 <a:cs typeface="Consolas" pitchFamily="49" charset="0"/>
               </a:rPr>
@@ -7837,7 +7666,7 @@
               <a:buNone/>
             </a:pPr>
             <a:r>
-              <a:rPr lang="en-US" sz="2400" b="1" dirty="0" smtClean="0">
+              <a:rPr lang="en-US" sz="2400" b="1" dirty="0">
                 <a:latin typeface="Consolas" pitchFamily="49" charset="0"/>
                 <a:cs typeface="Consolas" pitchFamily="49" charset="0"/>
               </a:rPr>
@@ -7849,7 +7678,7 @@
               <a:buNone/>
             </a:pPr>
             <a:r>
-              <a:rPr lang="en-US" sz="2400" b="1" dirty="0" smtClean="0">
+              <a:rPr lang="en-US" sz="2400" b="1" dirty="0">
                 <a:latin typeface="Consolas" pitchFamily="49" charset="0"/>
                 <a:cs typeface="Consolas" pitchFamily="49" charset="0"/>
               </a:rPr>
@@ -7861,7 +7690,7 @@
               <a:buNone/>
             </a:pPr>
             <a:r>
-              <a:rPr lang="en-US" sz="2400" b="1" dirty="0" smtClean="0">
+              <a:rPr lang="en-US" sz="2400" b="1" dirty="0">
                 <a:latin typeface="Consolas" pitchFamily="49" charset="0"/>
                 <a:cs typeface="Consolas" pitchFamily="49" charset="0"/>
               </a:rPr>
@@ -7873,14 +7702,14 @@
               <a:buNone/>
             </a:pPr>
             <a:r>
-              <a:rPr lang="en-US" sz="2400" b="1" dirty="0" smtClean="0">
+              <a:rPr lang="en-US" sz="2400" b="1" dirty="0">
                 <a:latin typeface="Consolas" pitchFamily="49" charset="0"/>
                 <a:cs typeface="Consolas" pitchFamily="49" charset="0"/>
               </a:rPr>
               <a:t>       (</a:t>
             </a:r>
             <a:r>
-              <a:rPr lang="en-US" sz="2400" b="1" dirty="0" smtClean="0">
+              <a:rPr lang="en-US" sz="2400" b="1" dirty="0">
                 <a:solidFill>
                   <a:srgbClr val="FF0000"/>
                 </a:solidFill>
@@ -7895,7 +7724,7 @@
               <a:buNone/>
             </a:pPr>
             <a:r>
-              <a:rPr lang="en-US" sz="2400" b="1" dirty="0" smtClean="0">
+              <a:rPr lang="en-US" sz="2400" b="1" dirty="0">
                 <a:latin typeface="Consolas" pitchFamily="49" charset="0"/>
                 <a:cs typeface="Consolas" pitchFamily="49" charset="0"/>
               </a:rPr>
@@ -7926,7 +7755,7 @@
               <a:buNone/>
             </a:pPr>
             <a:r>
-              <a:rPr lang="en-US" sz="2400" b="1" dirty="0" smtClean="0">
+              <a:rPr lang="en-US" sz="2400" b="1" dirty="0">
                 <a:latin typeface="Consolas" pitchFamily="49" charset="0"/>
                 <a:cs typeface="Consolas" pitchFamily="49" charset="0"/>
               </a:rPr>
@@ -7938,14 +7767,14 @@
               <a:buNone/>
             </a:pPr>
             <a:r>
-              <a:rPr lang="en-US" sz="2400" b="1" dirty="0" smtClean="0">
+              <a:rPr lang="en-US" sz="2400" b="1" dirty="0">
                 <a:latin typeface="Consolas" pitchFamily="49" charset="0"/>
                 <a:cs typeface="Consolas" pitchFamily="49" charset="0"/>
               </a:rPr>
               <a:t>(define (</a:t>
             </a:r>
             <a:r>
-              <a:rPr lang="en-US" sz="2400" b="1" dirty="0" smtClean="0">
+              <a:rPr lang="en-US" sz="2400" b="1" dirty="0">
                 <a:solidFill>
                   <a:srgbClr val="FF0000"/>
                 </a:solidFill>
@@ -7955,7 +7784,7 @@
               <a:t>pizza-fn</a:t>
             </a:r>
             <a:r>
-              <a:rPr lang="en-US" sz="2400" b="1" dirty="0" smtClean="0">
+              <a:rPr lang="en-US" sz="2400" b="1" dirty="0">
                 <a:latin typeface="Consolas" pitchFamily="49" charset="0"/>
                 <a:cs typeface="Consolas" pitchFamily="49" charset="0"/>
               </a:rPr>
@@ -7967,20 +7796,20 @@
               <a:buNone/>
             </a:pPr>
             <a:r>
-              <a:rPr lang="en-US" sz="2400" b="1" dirty="0" smtClean="0">
+              <a:rPr lang="en-US" sz="2400" b="1" dirty="0">
                 <a:latin typeface="Consolas" pitchFamily="49" charset="0"/>
                 <a:cs typeface="Consolas" pitchFamily="49" charset="0"/>
               </a:rPr>
               <a:t>  (</a:t>
             </a:r>
             <a:r>
-              <a:rPr lang="en-US" sz="2400" b="1" dirty="0" err="1" smtClean="0">
+              <a:rPr lang="en-US" sz="2400" b="1" dirty="0" err="1">
                 <a:latin typeface="Consolas" pitchFamily="49" charset="0"/>
                 <a:cs typeface="Consolas" pitchFamily="49" charset="0"/>
               </a:rPr>
               <a:t>cond</a:t>
             </a:r>
-            <a:endParaRPr lang="en-US" sz="2400" b="1" dirty="0" smtClean="0">
+            <a:endParaRPr lang="en-US" sz="2400" b="1" dirty="0">
               <a:latin typeface="Consolas" pitchFamily="49" charset="0"/>
               <a:cs typeface="Consolas" pitchFamily="49" charset="0"/>
             </a:endParaRPr>
@@ -7990,7 +7819,7 @@
               <a:buNone/>
             </a:pPr>
             <a:r>
-              <a:rPr lang="en-US" sz="2400" b="1" dirty="0" smtClean="0">
+              <a:rPr lang="en-US" sz="2400" b="1" dirty="0">
                 <a:latin typeface="Consolas" pitchFamily="49" charset="0"/>
                 <a:cs typeface="Consolas" pitchFamily="49" charset="0"/>
               </a:rPr>
@@ -8002,7 +7831,7 @@
               <a:buNone/>
             </a:pPr>
             <a:r>
-              <a:rPr lang="en-US" sz="2400" b="1" dirty="0" smtClean="0">
+              <a:rPr lang="en-US" sz="2400" b="1" dirty="0">
                 <a:latin typeface="Consolas" pitchFamily="49" charset="0"/>
                 <a:cs typeface="Consolas" pitchFamily="49" charset="0"/>
               </a:rPr>
@@ -8014,7 +7843,7 @@
               <a:buNone/>
             </a:pPr>
             <a:r>
-              <a:rPr lang="en-US" sz="2400" b="1" dirty="0" smtClean="0">
+              <a:rPr lang="en-US" sz="2400" b="1" dirty="0">
                 <a:latin typeface="Consolas" pitchFamily="49" charset="0"/>
                 <a:cs typeface="Consolas" pitchFamily="49" charset="0"/>
               </a:rPr>
@@ -8026,7 +7855,7 @@
               <a:buNone/>
             </a:pPr>
             <a:r>
-              <a:rPr lang="en-US" sz="2400" b="1" dirty="0" smtClean="0">
+              <a:rPr lang="en-US" sz="2400" b="1" dirty="0">
                 <a:latin typeface="Consolas" pitchFamily="49" charset="0"/>
                 <a:cs typeface="Consolas" pitchFamily="49" charset="0"/>
               </a:rPr>
@@ -8038,7 +7867,7 @@
               <a:buNone/>
             </a:pPr>
             <a:r>
-              <a:rPr lang="en-US" sz="2400" b="1" dirty="0" smtClean="0">
+              <a:rPr lang="en-US" sz="2400" b="1" dirty="0">
                 <a:latin typeface="Consolas" pitchFamily="49" charset="0"/>
                 <a:cs typeface="Consolas" pitchFamily="49" charset="0"/>
               </a:rPr>
@@ -8050,7 +7879,7 @@
               <a:buNone/>
             </a:pPr>
             <a:r>
-              <a:rPr lang="en-US" sz="2400" b="1" dirty="0" smtClean="0">
+              <a:rPr lang="en-US" sz="2400" b="1" dirty="0">
                 <a:latin typeface="Consolas" pitchFamily="49" charset="0"/>
                 <a:cs typeface="Consolas" pitchFamily="49" charset="0"/>
               </a:rPr>
@@ -8062,14 +7891,14 @@
               <a:buNone/>
             </a:pPr>
             <a:r>
-              <a:rPr lang="en-US" sz="2400" b="1" dirty="0" smtClean="0">
+              <a:rPr lang="en-US" sz="2400" b="1" dirty="0">
                 <a:latin typeface="Consolas" pitchFamily="49" charset="0"/>
                 <a:cs typeface="Consolas" pitchFamily="49" charset="0"/>
               </a:rPr>
               <a:t>      (</a:t>
             </a:r>
             <a:r>
-              <a:rPr lang="en-US" sz="2400" b="1" dirty="0" smtClean="0">
+              <a:rPr lang="en-US" sz="2400" b="1" dirty="0">
                 <a:solidFill>
                   <a:srgbClr val="FF0000"/>
                 </a:solidFill>
@@ -8084,7 +7913,7 @@
               <a:buNone/>
             </a:pPr>
             <a:r>
-              <a:rPr lang="en-US" sz="2400" b="1" dirty="0" smtClean="0">
+              <a:rPr lang="en-US" sz="2400" b="1" dirty="0">
                 <a:latin typeface="Consolas" pitchFamily="49" charset="0"/>
                 <a:cs typeface="Consolas" pitchFamily="49" charset="0"/>
               </a:rPr>
@@ -8096,7 +7925,7 @@
               <a:buNone/>
             </a:pPr>
             <a:r>
-              <a:rPr lang="en-US" sz="2400" b="1" dirty="0" smtClean="0">
+              <a:rPr lang="en-US" sz="2400" b="1" dirty="0">
                 <a:latin typeface="Consolas" pitchFamily="49" charset="0"/>
                 <a:cs typeface="Consolas" pitchFamily="49" charset="0"/>
               </a:rPr>
@@ -8166,7 +7995,7 @@
           <a:lstStyle/>
           <a:p>
             <a:pPr algn="ctr"/>
-            <a:endParaRPr lang="en-US" dirty="0" smtClean="0">
+            <a:endParaRPr lang="en-US" dirty="0">
               <a:solidFill>
                 <a:schemeClr val="tx1"/>
               </a:solidFill>
@@ -8209,7 +8038,7 @@
           <a:lstStyle/>
           <a:p>
             <a:pPr algn="ctr"/>
-            <a:endParaRPr lang="en-US" dirty="0" smtClean="0">
+            <a:endParaRPr lang="en-US" dirty="0">
               <a:solidFill>
                 <a:schemeClr val="tx1"/>
               </a:solidFill>
@@ -8271,15 +8100,7 @@
                   <a:schemeClr val="tx1"/>
                 </a:solidFill>
               </a:rPr>
-              <a:t>And here are the templates.  Observe that they are also both self-referential in the same way</a:t>
-            </a:r>
-            <a:r>
-              <a:rPr lang="en-US" sz="1600" dirty="0" smtClean="0">
-                <a:solidFill>
-                  <a:schemeClr val="tx1"/>
-                </a:solidFill>
-              </a:rPr>
-              <a:t>.</a:t>
+              <a:t>And here are the templates.  Observe that they are also both self-referential in the same way.</a:t>
             </a:r>
             <a:endParaRPr lang="en-US" sz="1600" dirty="0"/>
           </a:p>
@@ -8295,13 +8116,6 @@
   <p:clrMapOvr>
     <a:masterClrMapping/>
   </p:clrMapOvr>
-  <p:timing>
-    <p:tnLst>
-      <p:par>
-        <p:cTn id="1" dur="indefinite" restart="never" nodeType="tmRoot"/>
-      </p:par>
-    </p:tnLst>
-  </p:timing>
 </p:sld>
 </file>
 
@@ -8334,88 +8148,55 @@
         </p:nvSpPr>
         <p:spPr/>
         <p:txBody>
+          <a:bodyPr>
+            <a:normAutofit fontScale="90000"/>
+          </a:bodyPr>
+          <a:lstStyle/>
+          <a:p>
+            <a:r>
+              <a:rPr lang="en-US" dirty="0"/>
+              <a:t>Lists vs. Structures: Halting Measures</a:t>
+            </a:r>
+          </a:p>
+        </p:txBody>
+      </p:sp>
+      <p:sp>
+        <p:nvSpPr>
+          <p:cNvPr id="7" name="Content Placeholder 6"/>
+          <p:cNvSpPr>
+            <a:spLocks noGrp="1"/>
+          </p:cNvSpPr>
+          <p:nvPr>
+            <p:ph idx="1"/>
+          </p:nvPr>
+        </p:nvSpPr>
+        <p:spPr/>
+        <p:txBody>
           <a:bodyPr/>
           <a:lstStyle/>
           <a:p>
             <a:r>
-              <a:rPr lang="en-US" dirty="0" smtClean="0"/>
-              <a:t>Lists vs. Structures: The Choice</a:t>
-            </a:r>
-            <a:endParaRPr lang="en-US" dirty="0"/>
-          </a:p>
-        </p:txBody>
-      </p:sp>
-      <p:sp>
-        <p:nvSpPr>
-          <p:cNvPr id="7" name="Content Placeholder 6"/>
-          <p:cNvSpPr>
-            <a:spLocks noGrp="1"/>
-          </p:cNvSpPr>
-          <p:nvPr>
-            <p:ph idx="1"/>
-          </p:nvPr>
-        </p:nvSpPr>
-        <p:spPr/>
-        <p:txBody>
-          <a:bodyPr>
-            <a:normAutofit fontScale="92500" lnSpcReduction="20000"/>
-          </a:bodyPr>
-          <a:lstStyle/>
-          <a:p>
-            <a:r>
-              <a:rPr lang="en-US" dirty="0" smtClean="0"/>
-              <a:t>Use structures for compound information with a fixed size or fixed number of components.</a:t>
-            </a:r>
-          </a:p>
-          <a:p>
-            <a:r>
-              <a:rPr lang="en-US" dirty="0" smtClean="0"/>
-              <a:t>Use lists for homogeneous sequences of data items.</a:t>
-            </a:r>
-          </a:p>
-          <a:p>
-            <a:pPr lvl="1"/>
-            <a:r>
-              <a:rPr lang="en-US" dirty="0" smtClean="0"/>
-              <a:t>so we'll use mostly lists</a:t>
-            </a:r>
-          </a:p>
-          <a:p>
-            <a:pPr lvl="1"/>
-            <a:r>
-              <a:rPr lang="en-US" dirty="0" smtClean="0"/>
-              <a:t>DON’T use lists for data of fixed size or a fixed number of components</a:t>
-            </a:r>
-          </a:p>
-          <a:p>
-            <a:r>
-              <a:rPr lang="en-US" dirty="0" smtClean="0"/>
-              <a:t>Each language has its own idioms</a:t>
-            </a:r>
-          </a:p>
-          <a:p>
-            <a:pPr lvl="1"/>
-            <a:r>
-              <a:rPr lang="en-US" dirty="0" smtClean="0"/>
-              <a:t>some don't have lists at all</a:t>
-            </a:r>
-          </a:p>
-          <a:p>
-            <a:pPr lvl="1"/>
-            <a:r>
-              <a:rPr lang="en-US" dirty="0" smtClean="0"/>
-              <a:t>some have other ways of representing sequences– use them when possible</a:t>
-            </a:r>
-          </a:p>
-          <a:p>
-            <a:pPr lvl="1"/>
-            <a:endParaRPr lang="en-US" dirty="0"/>
-          </a:p>
-        </p:txBody>
-      </p:sp>
-      <p:sp>
-        <p:nvSpPr>
-          <p:cNvPr id="2" name="Slide Number Placeholder 1"/>
+              <a:rPr lang="en-US" dirty="0"/>
+              <a:t>For the list representation, we could use "length of the list" as a halting measure</a:t>
+            </a:r>
+          </a:p>
+          <a:p>
+            <a:r>
+              <a:rPr lang="en-US" dirty="0"/>
+              <a:t>For the structure representation, we could use "number of toppings" as a halting measure.</a:t>
+            </a:r>
+          </a:p>
+          <a:p>
+            <a:r>
+              <a:rPr lang="en-US" dirty="0"/>
+              <a:t>These will be a correct halting measure for any function that follows the template.</a:t>
+            </a:r>
+          </a:p>
+        </p:txBody>
+      </p:sp>
+      <p:sp>
+        <p:nvSpPr>
+          <p:cNvPr id="5" name="Slide Number Placeholder 4"/>
           <p:cNvSpPr>
             <a:spLocks noGrp="1"/>
           </p:cNvSpPr>
@@ -8428,7 +8209,7 @@
           <a:bodyPr/>
           <a:lstStyle/>
           <a:p>
-            <a:fld id="{C1D4534E-1B22-4A44-850A-B3E8E9EE687A}" type="slidenum">
+            <a:fld id="{2AF3B5EA-18B6-4040-9F78-6052AF49C681}" type="slidenum">
               <a:rPr lang="en-US" smtClean="0"/>
               <a:t>16</a:t>
             </a:fld>
@@ -8439,20 +8220,13 @@
     </p:spTree>
     <p:extLst>
       <p:ext uri="{BB962C8B-B14F-4D97-AF65-F5344CB8AC3E}">
-        <p14:creationId xmlns:p14="http://schemas.microsoft.com/office/powerpoint/2010/main" val="3741910407"/>
+        <p14:creationId xmlns:p14="http://schemas.microsoft.com/office/powerpoint/2010/main" val="2937331702"/>
       </p:ext>
     </p:extLst>
   </p:cSld>
   <p:clrMapOvr>
     <a:masterClrMapping/>
   </p:clrMapOvr>
-  <p:timing>
-    <p:tnLst>
-      <p:par>
-        <p:cTn id="1" dur="indefinite" restart="never" nodeType="tmRoot"/>
-      </p:par>
-    </p:tnLst>
-  </p:timing>
 </p:sld>
 </file>
 
@@ -8475,7 +8249,7 @@
       </p:grpSpPr>
       <p:sp>
         <p:nvSpPr>
-          <p:cNvPr id="2" name="Title 1"/>
+          <p:cNvPr id="6" name="Title 5"/>
           <p:cNvSpPr>
             <a:spLocks noGrp="1"/>
           </p:cNvSpPr>
@@ -8489,16 +8263,15 @@
           <a:lstStyle/>
           <a:p>
             <a:r>
-              <a:rPr lang="en-US" dirty="0" smtClean="0"/>
-              <a:t>Summary</a:t>
-            </a:r>
-            <a:endParaRPr lang="en-US" dirty="0"/>
-          </a:p>
-        </p:txBody>
-      </p:sp>
-      <p:sp>
-        <p:nvSpPr>
-          <p:cNvPr id="3" name="Content Placeholder 2"/>
+              <a:rPr lang="en-US" dirty="0"/>
+              <a:t>Lists vs. Structures: The Choice</a:t>
+            </a:r>
+          </a:p>
+        </p:txBody>
+      </p:sp>
+      <p:sp>
+        <p:nvSpPr>
+          <p:cNvPr id="7" name="Content Placeholder 6"/>
           <p:cNvSpPr>
             <a:spLocks noGrp="1"/>
           </p:cNvSpPr>
@@ -8508,38 +8281,54 @@
         </p:nvSpPr>
         <p:spPr/>
         <p:txBody>
-          <a:bodyPr/>
-          <a:lstStyle/>
-          <a:p>
-            <a:r>
-              <a:rPr lang="en-US" dirty="0" smtClean="0"/>
-              <a:t>You should now be able to</a:t>
+          <a:bodyPr>
+            <a:normAutofit fontScale="92500" lnSpcReduction="20000"/>
+          </a:bodyPr>
+          <a:lstStyle/>
+          <a:p>
+            <a:r>
+              <a:rPr lang="en-US" dirty="0"/>
+              <a:t>Use structures for compound information with a fixed size or fixed number of components.</a:t>
+            </a:r>
+          </a:p>
+          <a:p>
+            <a:r>
+              <a:rPr lang="en-US" dirty="0"/>
+              <a:t>Use lists for homogeneous sequences of data items.</a:t>
             </a:r>
           </a:p>
           <a:p>
             <a:pPr lvl="1"/>
             <a:r>
               <a:rPr lang="en-US" dirty="0"/>
-              <a:t>convert a data definition using the </a:t>
-            </a:r>
-            <a:r>
-              <a:rPr lang="en-US" b="1" dirty="0" err="1" smtClean="0"/>
-              <a:t>ListOfX</a:t>
-            </a:r>
-            <a:r>
-              <a:rPr lang="en-US" b="1" dirty="0" smtClean="0"/>
-              <a:t> </a:t>
-            </a:r>
+              <a:t>so we'll use mostly lists</a:t>
+            </a:r>
+          </a:p>
+          <a:p>
+            <a:pPr lvl="1"/>
             <a:r>
               <a:rPr lang="en-US" dirty="0"/>
-              <a:t>pattern to a recursive data definition using structures</a:t>
+              <a:t>DON’T use lists for data of fixed size or a fixed number of components</a:t>
+            </a:r>
+          </a:p>
+          <a:p>
+            <a:r>
+              <a:rPr lang="en-US" dirty="0"/>
+              <a:t>Each language has its own idioms</a:t>
             </a:r>
           </a:p>
           <a:p>
             <a:pPr lvl="1"/>
             <a:r>
               <a:rPr lang="en-US" dirty="0"/>
-              <a:t>write a template for a recursive data definition using structures</a:t>
+              <a:t>some don't have lists at all</a:t>
+            </a:r>
+          </a:p>
+          <a:p>
+            <a:pPr lvl="1"/>
+            <a:r>
+              <a:rPr lang="en-US" dirty="0"/>
+              <a:t>some have other ways of representing sequences– use them when possible</a:t>
             </a:r>
           </a:p>
           <a:p>
@@ -8550,7 +8339,7 @@
       </p:sp>
       <p:sp>
         <p:nvSpPr>
-          <p:cNvPr id="4" name="Slide Number Placeholder 3"/>
+          <p:cNvPr id="2" name="Slide Number Placeholder 1"/>
           <p:cNvSpPr>
             <a:spLocks noGrp="1"/>
           </p:cNvSpPr>
@@ -8574,20 +8363,13 @@
     </p:spTree>
     <p:extLst>
       <p:ext uri="{BB962C8B-B14F-4D97-AF65-F5344CB8AC3E}">
-        <p14:creationId xmlns:p14="http://schemas.microsoft.com/office/powerpoint/2010/main" val="3074698810"/>
+        <p14:creationId xmlns:p14="http://schemas.microsoft.com/office/powerpoint/2010/main" val="3741910407"/>
       </p:ext>
     </p:extLst>
   </p:cSld>
   <p:clrMapOvr>
     <a:masterClrMapping/>
   </p:clrMapOvr>
-  <p:timing>
-    <p:tnLst>
-      <p:par>
-        <p:cTn id="1" dur="indefinite" restart="never" nodeType="tmRoot"/>
-      </p:par>
-    </p:tnLst>
-  </p:timing>
 </p:sld>
 </file>
 
@@ -8624,10 +8406,9 @@
           <a:lstStyle/>
           <a:p>
             <a:r>
-              <a:rPr lang="en-US" dirty="0" smtClean="0"/>
-              <a:t>Next Steps</a:t>
-            </a:r>
-            <a:endParaRPr lang="en-US" dirty="0"/>
+              <a:rPr lang="en-US" dirty="0"/>
+              <a:t>Summary</a:t>
+            </a:r>
           </a:p>
         </p:txBody>
       </p:sp>
@@ -8647,35 +8428,38 @@
           <a:lstStyle/>
           <a:p>
             <a:r>
-              <a:rPr lang="en-US" dirty="0" smtClean="0"/>
-              <a:t>Study the file 06-1-recursive-structures.rkt in the </a:t>
-            </a:r>
-            <a:r>
-              <a:rPr lang="en-US" smtClean="0"/>
-              <a:t>Examples folder.</a:t>
-            </a:r>
-          </a:p>
-          <a:p>
-            <a:r>
-              <a:rPr lang="en-US" dirty="0" smtClean="0"/>
-              <a:t>If </a:t>
-            </a:r>
-            <a:r>
-              <a:rPr lang="en-US" dirty="0" smtClean="0"/>
-              <a:t>you have questions about this lesson, ask them on the Discussion Board</a:t>
-            </a:r>
-          </a:p>
-          <a:p>
-            <a:r>
-              <a:rPr lang="en-US" dirty="0" smtClean="0"/>
-              <a:t>Do Guided Practice 6.1 </a:t>
-            </a:r>
-          </a:p>
-          <a:p>
-            <a:r>
-              <a:rPr lang="en-US" dirty="0" smtClean="0"/>
-              <a:t>Go on to the next lesson</a:t>
-            </a:r>
+              <a:rPr lang="en-US" dirty="0"/>
+              <a:t>You should now be able to</a:t>
+            </a:r>
+          </a:p>
+          <a:p>
+            <a:pPr lvl="1"/>
+            <a:r>
+              <a:rPr lang="en-US" dirty="0"/>
+              <a:t>convert a data definition using the </a:t>
+            </a:r>
+            <a:r>
+              <a:rPr lang="en-US" b="1" dirty="0" err="1"/>
+              <a:t>ListOfX</a:t>
+            </a:r>
+            <a:r>
+              <a:rPr lang="en-US" b="1" dirty="0"/>
+              <a:t> </a:t>
+            </a:r>
+            <a:r>
+              <a:rPr lang="en-US" dirty="0"/>
+              <a:t>pattern to a recursive data definition using structures</a:t>
+            </a:r>
+          </a:p>
+          <a:p>
+            <a:pPr lvl="1"/>
+            <a:r>
+              <a:rPr lang="en-US" dirty="0"/>
+              <a:t>write a template for a recursive data definition using structures</a:t>
+            </a:r>
+          </a:p>
+          <a:p>
+            <a:pPr lvl="1"/>
             <a:endParaRPr lang="en-US" dirty="0"/>
           </a:p>
         </p:txBody>
@@ -8698,6 +8482,125 @@
             <a:fld id="{C1D4534E-1B22-4A44-850A-B3E8E9EE687A}" type="slidenum">
               <a:rPr lang="en-US" smtClean="0"/>
               <a:t>18</a:t>
+            </a:fld>
+            <a:endParaRPr lang="en-US"/>
+          </a:p>
+        </p:txBody>
+      </p:sp>
+    </p:spTree>
+    <p:extLst>
+      <p:ext uri="{BB962C8B-B14F-4D97-AF65-F5344CB8AC3E}">
+        <p14:creationId xmlns:p14="http://schemas.microsoft.com/office/powerpoint/2010/main" val="3074698810"/>
+      </p:ext>
+    </p:extLst>
+  </p:cSld>
+  <p:clrMapOvr>
+    <a:masterClrMapping/>
+  </p:clrMapOvr>
+</p:sld>
+</file>
+
+<file path=ppt/slides/slide19.xml><?xml version="1.0" encoding="utf-8"?>
+<p:sld xmlns:a="http://schemas.openxmlformats.org/drawingml/2006/main" xmlns:r="http://schemas.openxmlformats.org/officeDocument/2006/relationships" xmlns:p="http://schemas.openxmlformats.org/presentationml/2006/main">
+  <p:cSld>
+    <p:spTree>
+      <p:nvGrpSpPr>
+        <p:cNvPr id="1" name=""/>
+        <p:cNvGrpSpPr/>
+        <p:nvPr/>
+      </p:nvGrpSpPr>
+      <p:grpSpPr>
+        <a:xfrm>
+          <a:off x="0" y="0"/>
+          <a:ext cx="0" cy="0"/>
+          <a:chOff x="0" y="0"/>
+          <a:chExt cx="0" cy="0"/>
+        </a:xfrm>
+      </p:grpSpPr>
+      <p:sp>
+        <p:nvSpPr>
+          <p:cNvPr id="2" name="Title 1"/>
+          <p:cNvSpPr>
+            <a:spLocks noGrp="1"/>
+          </p:cNvSpPr>
+          <p:nvPr>
+            <p:ph type="title"/>
+          </p:nvPr>
+        </p:nvSpPr>
+        <p:spPr/>
+        <p:txBody>
+          <a:bodyPr/>
+          <a:lstStyle/>
+          <a:p>
+            <a:r>
+              <a:rPr lang="en-US" dirty="0"/>
+              <a:t>Next Steps</a:t>
+            </a:r>
+          </a:p>
+        </p:txBody>
+      </p:sp>
+      <p:sp>
+        <p:nvSpPr>
+          <p:cNvPr id="3" name="Content Placeholder 2"/>
+          <p:cNvSpPr>
+            <a:spLocks noGrp="1"/>
+          </p:cNvSpPr>
+          <p:nvPr>
+            <p:ph idx="1"/>
+          </p:nvPr>
+        </p:nvSpPr>
+        <p:spPr/>
+        <p:txBody>
+          <a:bodyPr/>
+          <a:lstStyle/>
+          <a:p>
+            <a:r>
+              <a:rPr lang="en-US" dirty="0"/>
+              <a:t>Study the file 06-1-recursive-structures.rkt in the </a:t>
+            </a:r>
+            <a:r>
+              <a:rPr lang="en-US"/>
+              <a:t>Examples folder.</a:t>
+            </a:r>
+          </a:p>
+          <a:p>
+            <a:r>
+              <a:rPr lang="en-US" dirty="0"/>
+              <a:t>If you have questions about this lesson, ask them on the Discussion Board</a:t>
+            </a:r>
+          </a:p>
+          <a:p>
+            <a:r>
+              <a:rPr lang="en-US" dirty="0"/>
+              <a:t>Do Guided Practice 6.1 </a:t>
+            </a:r>
+          </a:p>
+          <a:p>
+            <a:r>
+              <a:rPr lang="en-US" dirty="0"/>
+              <a:t>Go on to the next lesson</a:t>
+            </a:r>
+          </a:p>
+        </p:txBody>
+      </p:sp>
+      <p:sp>
+        <p:nvSpPr>
+          <p:cNvPr id="4" name="Slide Number Placeholder 3"/>
+          <p:cNvSpPr>
+            <a:spLocks noGrp="1"/>
+          </p:cNvSpPr>
+          <p:nvPr>
+            <p:ph type="sldNum" sz="quarter" idx="12"/>
+          </p:nvPr>
+        </p:nvSpPr>
+        <p:spPr/>
+        <p:txBody>
+          <a:bodyPr/>
+          <a:lstStyle/>
+          <a:p>
+            <a:fld id="{C1D4534E-1B22-4A44-850A-B3E8E9EE687A}" type="slidenum">
+              <a:rPr lang="en-US" smtClean="0"/>
+              <a:t>19</a:t>
             </a:fld>
             <a:endParaRPr lang="en-US"/>
           </a:p>
@@ -8713,13 +8616,6 @@
   <p:clrMapOvr>
     <a:masterClrMapping/>
   </p:clrMapOvr>
-  <p:timing>
-    <p:tnLst>
-      <p:par>
-        <p:cTn id="1" dur="indefinite" restart="never" nodeType="tmRoot"/>
-      </p:par>
-    </p:tnLst>
-  </p:timing>
 </p:sld>
 </file>
 
@@ -8756,10 +8652,9 @@
           <a:lstStyle/>
           <a:p>
             <a:r>
-              <a:rPr lang="en-US" dirty="0" smtClean="0"/>
+              <a:rPr lang="en-US" dirty="0"/>
               <a:t>Module Introduction</a:t>
             </a:r>
-            <a:endParaRPr lang="en-US" dirty="0"/>
           </a:p>
         </p:txBody>
       </p:sp>
@@ -8779,24 +8674,23 @@
           <a:lstStyle/>
           <a:p>
             <a:r>
-              <a:rPr lang="en-US" dirty="0" smtClean="0"/>
+              <a:rPr lang="en-US" dirty="0"/>
               <a:t>In this module we will learn about two related topics:</a:t>
             </a:r>
           </a:p>
           <a:p>
             <a:pPr lvl="1"/>
             <a:r>
-              <a:rPr lang="en-US" dirty="0" smtClean="0"/>
+              <a:rPr lang="en-US" dirty="0"/>
               <a:t>branching structures, such as trees</a:t>
             </a:r>
           </a:p>
           <a:p>
             <a:pPr lvl="1"/>
             <a:r>
-              <a:rPr lang="en-US" dirty="0" smtClean="0"/>
+              <a:rPr lang="en-US" dirty="0"/>
               <a:t>mutually recursive data definitions, such as lists of alternating strings and numbers.</a:t>
             </a:r>
-            <a:endParaRPr lang="en-US" dirty="0"/>
           </a:p>
         </p:txBody>
       </p:sp>
@@ -8833,13 +8727,6 @@
   <p:clrMapOvr>
     <a:masterClrMapping/>
   </p:clrMapOvr>
-  <p:timing>
-    <p:tnLst>
-      <p:par>
-        <p:cTn id="1" dur="indefinite" restart="never" nodeType="tmRoot"/>
-      </p:par>
-    </p:tnLst>
-  </p:timing>
 </p:sld>
 </file>
 
@@ -8876,10 +8763,9 @@
           <a:lstStyle/>
           <a:p>
             <a:r>
-              <a:rPr lang="en-US" dirty="0" smtClean="0"/>
+              <a:rPr lang="en-US" dirty="0"/>
               <a:t>Module Outline</a:t>
             </a:r>
-            <a:endParaRPr lang="en-US" dirty="0"/>
           </a:p>
         </p:txBody>
       </p:sp>
@@ -8896,58 +8782,64 @@
         <p:spPr/>
         <p:txBody>
           <a:bodyPr>
-            <a:normAutofit fontScale="85000" lnSpcReduction="20000"/>
+            <a:normAutofit fontScale="77500" lnSpcReduction="20000"/>
           </a:bodyPr>
           <a:lstStyle/>
           <a:p>
             <a:r>
-              <a:rPr lang="en-US" dirty="0" smtClean="0"/>
+              <a:rPr lang="en-US" dirty="0"/>
               <a:t>Lesson 6.1 begins by considering alternative representations for sequence information</a:t>
             </a:r>
           </a:p>
           <a:p>
             <a:pPr lvl="1"/>
             <a:r>
-              <a:rPr lang="en-US" dirty="0" smtClean="0"/>
+              <a:rPr lang="en-US" dirty="0"/>
               <a:t>This is a warm-up for Lessons 6.2-6.3 </a:t>
             </a:r>
           </a:p>
           <a:p>
             <a:r>
-              <a:rPr lang="en-US" dirty="0" smtClean="0"/>
+              <a:rPr lang="en-US" dirty="0"/>
               <a:t>Lessons 6.2 and 6.3 show how to represent information that has a naturally branching structure, such as trees</a:t>
             </a:r>
           </a:p>
           <a:p>
             <a:r>
-              <a:rPr lang="en-US" dirty="0" smtClean="0"/>
+              <a:rPr lang="en-US" dirty="0"/>
               <a:t>Lesson 6.4 introduces mutually-recursive data definitions</a:t>
             </a:r>
           </a:p>
           <a:p>
             <a:r>
-              <a:rPr lang="en-US" dirty="0" smtClean="0"/>
+              <a:rPr lang="en-US" dirty="0"/>
               <a:t>Lesson 6.5 applies these ideas to S-expressions</a:t>
             </a:r>
           </a:p>
           <a:p>
             <a:pPr lvl="1"/>
             <a:r>
-              <a:rPr lang="en-US" dirty="0" smtClean="0"/>
+              <a:rPr lang="en-US" dirty="0"/>
               <a:t>S-expressions are nested lists</a:t>
             </a:r>
           </a:p>
           <a:p>
             <a:pPr lvl="1"/>
             <a:r>
-              <a:rPr lang="en-US" dirty="0" smtClean="0"/>
+              <a:rPr lang="en-US" dirty="0"/>
               <a:t>These are the basis for XML and JSON</a:t>
             </a:r>
           </a:p>
           <a:p>
             <a:r>
-              <a:rPr lang="en-US" dirty="0" smtClean="0"/>
+              <a:rPr lang="en-US" dirty="0"/>
               <a:t>Lesson 6.6 combines all these ideas into a case study</a:t>
+            </a:r>
+          </a:p>
+          <a:p>
+            <a:r>
+              <a:rPr lang="en-US" dirty="0"/>
+              <a:t>Lesson 6.7 shows how to write halting measures for tree-like structures.</a:t>
             </a:r>
           </a:p>
           <a:p>
@@ -8988,13 +8880,6 @@
   <p:clrMapOvr>
     <a:masterClrMapping/>
   </p:clrMapOvr>
-  <p:timing>
-    <p:tnLst>
-      <p:par>
-        <p:cTn id="1" dur="indefinite" restart="never" nodeType="tmRoot"/>
-      </p:par>
-    </p:tnLst>
-  </p:timing>
 </p:sld>
 </file>
 
@@ -9050,10 +8935,9 @@
           <a:p>
             <a:pPr algn="ctr"/>
             <a:r>
-              <a:rPr lang="en-US" dirty="0" smtClean="0"/>
+              <a:rPr lang="en-US" dirty="0"/>
               <a:t>Generalization</a:t>
             </a:r>
-            <a:endParaRPr lang="en-US" dirty="0"/>
           </a:p>
         </p:txBody>
       </p:sp>
@@ -9098,10 +8982,9 @@
           <a:p>
             <a:pPr algn="ctr"/>
             <a:r>
-              <a:rPr lang="en-US" dirty="0" smtClean="0"/>
+              <a:rPr lang="en-US" dirty="0"/>
               <a:t>Over Constants</a:t>
             </a:r>
-            <a:endParaRPr lang="en-US" dirty="0"/>
           </a:p>
         </p:txBody>
       </p:sp>
@@ -9146,7 +9029,7 @@
           <a:p>
             <a:pPr algn="ctr"/>
             <a:r>
-              <a:rPr lang="en-US" dirty="0" smtClean="0"/>
+              <a:rPr lang="en-US" dirty="0"/>
               <a:t>Over Expressions</a:t>
             </a:r>
           </a:p>
@@ -9193,10 +9076,9 @@
           <a:p>
             <a:pPr algn="ctr"/>
             <a:r>
-              <a:rPr lang="en-US" dirty="0" smtClean="0"/>
+              <a:rPr lang="en-US" dirty="0"/>
               <a:t>Over Contexts</a:t>
             </a:r>
-            <a:endParaRPr lang="en-US" dirty="0"/>
           </a:p>
         </p:txBody>
       </p:sp>
@@ -9241,10 +9123,9 @@
           <a:p>
             <a:pPr algn="ctr"/>
             <a:r>
-              <a:rPr lang="en-US" dirty="0" smtClean="0"/>
+              <a:rPr lang="en-US" dirty="0"/>
               <a:t>Over Data Representations</a:t>
             </a:r>
-            <a:endParaRPr lang="en-US" dirty="0"/>
           </a:p>
         </p:txBody>
       </p:sp>
@@ -9289,10 +9170,9 @@
           <a:p>
             <a:pPr algn="ctr"/>
             <a:r>
-              <a:rPr lang="en-US" dirty="0" smtClean="0"/>
+              <a:rPr lang="en-US" dirty="0"/>
               <a:t>Over Method Implementations</a:t>
             </a:r>
-            <a:endParaRPr lang="en-US" dirty="0"/>
           </a:p>
         </p:txBody>
       </p:sp>
@@ -9351,10 +9231,9 @@
             <a:p>
               <a:pPr algn="ctr"/>
               <a:r>
-                <a:rPr lang="en-US" dirty="0" smtClean="0"/>
+                <a:rPr lang="en-US" dirty="0"/>
                 <a:t>Mixed Data</a:t>
               </a:r>
-              <a:endParaRPr lang="en-US" dirty="0"/>
             </a:p>
           </p:txBody>
         </p:sp>
@@ -9393,10 +9272,9 @@
             <a:p>
               <a:pPr algn="ctr"/>
               <a:r>
-                <a:rPr lang="en-US" dirty="0" smtClean="0"/>
+                <a:rPr lang="en-US" dirty="0"/>
                 <a:t>Data Representations</a:t>
               </a:r>
-              <a:endParaRPr lang="en-US" dirty="0"/>
             </a:p>
           </p:txBody>
         </p:sp>
@@ -9441,10 +9319,9 @@
             <a:p>
               <a:pPr algn="ctr"/>
               <a:r>
-                <a:rPr lang="en-US" dirty="0" smtClean="0"/>
+                <a:rPr lang="en-US" dirty="0"/>
                 <a:t>Basics</a:t>
               </a:r>
-              <a:endParaRPr lang="en-US" dirty="0"/>
             </a:p>
           </p:txBody>
         </p:sp>
@@ -9485,10 +9362,9 @@
             <a:p>
               <a:pPr algn="ctr"/>
               <a:r>
-                <a:rPr lang="en-US" dirty="0" smtClean="0"/>
+                <a:rPr lang="en-US" dirty="0"/>
                 <a:t>Recursive Data</a:t>
               </a:r>
-              <a:endParaRPr lang="en-US" dirty="0"/>
             </a:p>
           </p:txBody>
         </p:sp>
@@ -9533,10 +9409,9 @@
             <a:p>
               <a:pPr algn="ctr"/>
               <a:r>
-                <a:rPr lang="en-US" dirty="0" smtClean="0"/>
+                <a:rPr lang="en-US" dirty="0"/>
                 <a:t>Functional Data</a:t>
               </a:r>
-              <a:endParaRPr lang="en-US" dirty="0"/>
             </a:p>
           </p:txBody>
         </p:sp>
@@ -9581,10 +9456,9 @@
             <a:p>
               <a:pPr algn="ctr"/>
               <a:r>
-                <a:rPr lang="en-US" dirty="0" smtClean="0"/>
+                <a:rPr lang="en-US" dirty="0"/>
                 <a:t>Objects &amp; Classes</a:t>
               </a:r>
-              <a:endParaRPr lang="en-US" dirty="0"/>
             </a:p>
           </p:txBody>
         </p:sp>
@@ -9629,14 +9503,13 @@
             <a:p>
               <a:pPr algn="ctr"/>
               <a:r>
-                <a:rPr lang="en-US" dirty="0" err="1" smtClean="0"/>
+                <a:rPr lang="en-US" dirty="0" err="1"/>
                 <a:t>Stateful</a:t>
               </a:r>
               <a:r>
-                <a:rPr lang="en-US" dirty="0" smtClean="0"/>
+                <a:rPr lang="en-US" dirty="0"/>
                 <a:t> Objects</a:t>
               </a:r>
-              <a:endParaRPr lang="en-US" dirty="0"/>
             </a:p>
           </p:txBody>
         </p:sp>
@@ -9762,10 +9635,9 @@
             <a:p>
               <a:pPr algn="ctr"/>
               <a:r>
-                <a:rPr lang="en-US" dirty="0" smtClean="0"/>
+                <a:rPr lang="en-US" dirty="0"/>
                 <a:t>Design Strategies</a:t>
               </a:r>
-              <a:endParaRPr lang="en-US" dirty="0"/>
             </a:p>
           </p:txBody>
         </p:sp>
@@ -9810,10 +9682,9 @@
             <a:p>
               <a:pPr algn="ctr"/>
               <a:r>
-                <a:rPr lang="en-US" dirty="0" smtClean="0"/>
+                <a:rPr lang="en-US" dirty="0"/>
                 <a:t>Combine simpler functions</a:t>
               </a:r>
-              <a:endParaRPr lang="en-US" dirty="0"/>
             </a:p>
           </p:txBody>
         </p:sp>
@@ -9858,10 +9729,9 @@
             <a:p>
               <a:pPr algn="ctr"/>
               <a:r>
-                <a:rPr lang="en-US" dirty="0" smtClean="0"/>
+                <a:rPr lang="en-US" dirty="0"/>
                 <a:t>Use a template</a:t>
               </a:r>
-              <a:endParaRPr lang="en-US" dirty="0"/>
             </a:p>
           </p:txBody>
         </p:sp>
@@ -9906,10 +9776,9 @@
             <a:p>
               <a:pPr algn="ctr"/>
               <a:r>
-                <a:rPr lang="en-US" dirty="0" smtClean="0"/>
+                <a:rPr lang="en-US" dirty="0"/>
                 <a:t>Divide into Cases</a:t>
               </a:r>
-              <a:endParaRPr lang="en-US" dirty="0"/>
             </a:p>
           </p:txBody>
         </p:sp>
@@ -9954,10 +9823,9 @@
             <a:p>
               <a:pPr algn="ctr"/>
               <a:r>
-                <a:rPr lang="en-US" dirty="0" smtClean="0"/>
+                <a:rPr lang="en-US" dirty="0"/>
                 <a:t>Call a more general function</a:t>
               </a:r>
-              <a:endParaRPr lang="en-US" dirty="0"/>
             </a:p>
           </p:txBody>
         </p:sp>
@@ -10002,10 +9870,9 @@
             <a:p>
               <a:pPr algn="ctr"/>
               <a:r>
-                <a:rPr lang="en-US" dirty="0" smtClean="0"/>
+                <a:rPr lang="en-US" dirty="0"/>
                 <a:t>Communicate via State</a:t>
               </a:r>
-              <a:endParaRPr lang="en-US" dirty="0"/>
             </a:p>
           </p:txBody>
         </p:sp>
@@ -10380,7 +10247,7 @@
           <a:p>
             <a:pPr algn="ctr"/>
             <a:r>
-              <a:rPr lang="en-US" sz="4400" dirty="0" smtClean="0"/>
+              <a:rPr lang="en-US" sz="4400" dirty="0"/>
               <a:t>Module 06</a:t>
             </a:r>
             <a:endParaRPr lang="en-US" sz="4400" dirty="0">
@@ -10570,13 +10437,6 @@
   <p:clrMapOvr>
     <a:masterClrMapping/>
   </p:clrMapOvr>
-  <p:timing>
-    <p:tnLst>
-      <p:par>
-        <p:cTn id="1" dur="indefinite" restart="never" nodeType="tmRoot"/>
-      </p:par>
-    </p:tnLst>
-  </p:timing>
 </p:sld>
 </file>
 
@@ -10613,10 +10473,9 @@
           <a:lstStyle/>
           <a:p>
             <a:r>
-              <a:rPr lang="en-US" dirty="0" smtClean="0"/>
+              <a:rPr lang="en-US" dirty="0"/>
               <a:t>Lesson Introduction</a:t>
             </a:r>
-            <a:endParaRPr lang="en-US" dirty="0"/>
           </a:p>
         </p:txBody>
       </p:sp>
@@ -10645,7 +10504,6 @@
               <a:rPr lang="en-US" dirty="0"/>
               <a:t>We've already studied how to represent sequences of data using lists.  </a:t>
             </a:r>
-            <a:endParaRPr lang="en-US" dirty="0" smtClean="0"/>
           </a:p>
           <a:p>
             <a:pPr>
@@ -10655,14 +10513,9 @@
               <a:defRPr/>
             </a:pPr>
             <a:r>
-              <a:rPr lang="en-US" dirty="0" smtClean="0"/>
-              <a:t>In </a:t>
-            </a:r>
-            <a:r>
               <a:rPr lang="en-US" dirty="0"/>
-              <a:t>this lesson, we will explore how to represent sequences of data using structures, like those we studied in Week 1, instead of lists.  </a:t>
-            </a:r>
-            <a:endParaRPr lang="en-US" dirty="0" smtClean="0"/>
+              <a:t>In this lesson, we will explore how to represent sequences of data using structures, like those we studied in Week 1, instead of lists.  </a:t>
+            </a:r>
           </a:p>
           <a:p>
             <a:pPr>
@@ -10672,12 +10525,8 @@
               <a:defRPr/>
             </a:pPr>
             <a:r>
-              <a:rPr lang="en-US" dirty="0" smtClean="0"/>
-              <a:t>This </a:t>
-            </a:r>
-            <a:r>
               <a:rPr lang="en-US" dirty="0"/>
-              <a:t>is useful because many widely-used languages do not have built-in lists that we can use.</a:t>
+              <a:t>This is useful because many widely-used languages do not have built-in lists that we can use.</a:t>
             </a:r>
           </a:p>
           <a:p>
@@ -10724,13 +10573,6 @@
   <p:clrMapOvr>
     <a:masterClrMapping/>
   </p:clrMapOvr>
-  <p:timing>
-    <p:tnLst>
-      <p:par>
-        <p:cTn id="1" dur="indefinite" restart="never" nodeType="tmRoot"/>
-      </p:par>
-    </p:tnLst>
-  </p:timing>
 </p:sld>
 </file>
 
@@ -10767,10 +10609,9 @@
           <a:lstStyle/>
           <a:p>
             <a:r>
-              <a:rPr lang="en-US" dirty="0" smtClean="0"/>
+              <a:rPr lang="en-US" dirty="0"/>
               <a:t>Learning Objectives for this Lesson</a:t>
             </a:r>
-            <a:endParaRPr lang="en-US" dirty="0"/>
           </a:p>
         </p:txBody>
       </p:sp>
@@ -10801,11 +10642,11 @@
               <a:t>convert a data definition using the </a:t>
             </a:r>
             <a:r>
-              <a:rPr lang="en-US" b="1" dirty="0" err="1" smtClean="0"/>
+              <a:rPr lang="en-US" b="1" dirty="0" err="1"/>
               <a:t>ListOfX</a:t>
             </a:r>
             <a:r>
-              <a:rPr lang="en-US" b="1" dirty="0" smtClean="0"/>
+              <a:rPr lang="en-US" b="1" dirty="0"/>
               <a:t> </a:t>
             </a:r>
             <a:r>
@@ -10858,13 +10699,6 @@
   <p:clrMapOvr>
     <a:masterClrMapping/>
   </p:clrMapOvr>
-  <p:timing>
-    <p:tnLst>
-      <p:par>
-        <p:cTn id="1" dur="indefinite" restart="never" nodeType="tmRoot"/>
-      </p:par>
-    </p:tnLst>
-  </p:timing>
 </p:sld>
 </file>
 
@@ -10903,10 +10737,9 @@
           <a:lstStyle/>
           <a:p>
             <a:r>
-              <a:rPr lang="en-US" dirty="0" smtClean="0"/>
+              <a:rPr lang="en-US" dirty="0"/>
               <a:t>Recall our pizzas</a:t>
             </a:r>
-            <a:endParaRPr lang="en-US" dirty="0"/>
           </a:p>
         </p:txBody>
       </p:sp>
@@ -10931,18 +10764,11 @@
               <a:buNone/>
             </a:pPr>
             <a:r>
-              <a:rPr lang="en-US" sz="2400" b="1" dirty="0" smtClean="0">
-                <a:latin typeface="Consolas" pitchFamily="49" charset="0"/>
-                <a:cs typeface="Consolas" pitchFamily="49" charset="0"/>
-              </a:rPr>
-              <a:t>;; </a:t>
-            </a:r>
-            <a:r>
               <a:rPr lang="en-US" sz="2400" b="1" dirty="0">
                 <a:latin typeface="Consolas" pitchFamily="49" charset="0"/>
                 <a:cs typeface="Consolas" pitchFamily="49" charset="0"/>
               </a:rPr>
-              <a:t>A Topping is a String.</a:t>
+              <a:t>;; A Topping is a String.</a:t>
             </a:r>
           </a:p>
           <a:p>
@@ -10966,7 +10792,7 @@
               <a:t>;; A Pizza is a </a:t>
             </a:r>
             <a:r>
-              <a:rPr lang="en-US" sz="2400" b="1" dirty="0" err="1" smtClean="0">
+              <a:rPr lang="en-US" sz="2400" b="1" dirty="0" err="1">
                 <a:latin typeface="Consolas" pitchFamily="49" charset="0"/>
                 <a:cs typeface="Consolas" pitchFamily="49" charset="0"/>
               </a:rPr>
@@ -11294,36 +11120,12 @@
               <a:defRPr/>
             </a:pPr>
             <a:r>
-              <a:rPr lang="en-US" dirty="0" smtClean="0">
-                <a:solidFill>
-                  <a:schemeClr val="tx1"/>
-                </a:solidFill>
-              </a:rPr>
-              <a:t>In Module 4, we </a:t>
-            </a:r>
-            <a:r>
               <a:rPr lang="en-US" dirty="0">
                 <a:solidFill>
                   <a:schemeClr val="tx1"/>
                 </a:solidFill>
               </a:rPr>
-              <a:t>represented a pizza as a list of toppings.  </a:t>
-            </a:r>
-            <a:r>
-              <a:rPr lang="en-US" dirty="0" smtClean="0">
-                <a:solidFill>
-                  <a:schemeClr val="tx1"/>
-                </a:solidFill>
-              </a:rPr>
-              <a:t>This week, we </a:t>
-            </a:r>
-            <a:r>
-              <a:rPr lang="en-US" dirty="0">
-                <a:solidFill>
-                  <a:schemeClr val="tx1"/>
-                </a:solidFill>
-              </a:rPr>
-              <a:t>will use this example to study the structure representation.</a:t>
+              <a:t>In Module 4, we represented a pizza as a list of toppings.  This week, we will use this example to study the structure representation.</a:t>
             </a:r>
           </a:p>
         </p:txBody>
@@ -11338,13 +11140,6 @@
   <p:clrMapOvr>
     <a:masterClrMapping/>
   </p:clrMapOvr>
-  <p:timing>
-    <p:tnLst>
-      <p:par>
-        <p:cTn id="1" dur="indefinite" restart="never" nodeType="tmRoot"/>
-      </p:par>
-    </p:tnLst>
-  </p:timing>
 </p:sld>
 </file>
 
@@ -11383,10 +11178,9 @@
           <a:lstStyle/>
           <a:p>
             <a:r>
-              <a:rPr lang="en-US" dirty="0" smtClean="0"/>
+              <a:rPr lang="en-US" dirty="0"/>
               <a:t>What if Racket didn't have cons?</a:t>
             </a:r>
-            <a:endParaRPr lang="en-US" dirty="0"/>
           </a:p>
         </p:txBody>
       </p:sp>
@@ -11419,34 +11213,24 @@
               <a:rPr lang="en-US" sz="2400" dirty="0"/>
               <a:t>, we could still represent pizzas as mixed data, using a structure to represent a non-empty pizza.  </a:t>
             </a:r>
-            <a:endParaRPr lang="en-US" sz="2400" dirty="0" smtClean="0"/>
-          </a:p>
-          <a:p>
-            <a:r>
-              <a:rPr lang="en-US" sz="2400" dirty="0" smtClean="0"/>
-              <a:t>On the next slide, we'll see </a:t>
-            </a:r>
+          </a:p>
+          <a:p>
             <a:r>
               <a:rPr lang="en-US" sz="2400" dirty="0"/>
-              <a:t>what the data definition would look like. </a:t>
-            </a:r>
-            <a:endParaRPr lang="en-US" sz="2400" dirty="0" smtClean="0"/>
-          </a:p>
-          <a:p>
-            <a:r>
-              <a:rPr lang="en-US" sz="2400" dirty="0" smtClean="0"/>
-              <a:t>We </a:t>
-            </a:r>
+              <a:t>On the next slide, we'll see what the data definition would look like. </a:t>
+            </a:r>
+          </a:p>
+          <a:p>
             <a:r>
               <a:rPr lang="en-US" sz="2400" dirty="0"/>
-              <a:t>haven't written the template yet; we'll get to that soon.</a:t>
+              <a:t>We haven't written the template yet; we'll get to that soon.</a:t>
             </a:r>
           </a:p>
           <a:p>
             <a:pPr>
               <a:buNone/>
             </a:pPr>
-            <a:endParaRPr lang="en-US" sz="2400" b="1" dirty="0" smtClean="0">
+            <a:endParaRPr lang="en-US" sz="2400" b="1" dirty="0">
               <a:latin typeface="Consolas" pitchFamily="49" charset="0"/>
               <a:cs typeface="Consolas" pitchFamily="49" charset="0"/>
             </a:endParaRPr>
@@ -11486,13 +11270,6 @@
   <p:clrMapOvr>
     <a:masterClrMapping/>
   </p:clrMapOvr>
-  <p:timing>
-    <p:tnLst>
-      <p:par>
-        <p:cTn id="1" dur="indefinite" restart="never" nodeType="tmRoot"/>
-      </p:par>
-    </p:tnLst>
-  </p:timing>
 </p:sld>
 </file>
 
@@ -11531,10 +11308,9 @@
           <a:lstStyle/>
           <a:p>
             <a:r>
-              <a:rPr lang="en-US" dirty="0" smtClean="0"/>
+              <a:rPr lang="en-US" dirty="0"/>
               <a:t>What if Racket didn't have cons?</a:t>
             </a:r>
-            <a:endParaRPr lang="en-US" dirty="0"/>
           </a:p>
         </p:txBody>
       </p:sp>
@@ -11564,7 +11340,7 @@
               <a:buNone/>
             </a:pPr>
             <a:r>
-              <a:rPr lang="en-US" dirty="0" smtClean="0">
+              <a:rPr lang="en-US" dirty="0">
                 <a:cs typeface="Consolas" pitchFamily="49" charset="0"/>
               </a:rPr>
               <a:t>We could still write a data definition:</a:t>
@@ -11577,7 +11353,7 @@
               </a:spcBef>
               <a:buNone/>
             </a:pPr>
-            <a:endParaRPr lang="en-US" dirty="0" smtClean="0">
+            <a:endParaRPr lang="en-US" dirty="0">
               <a:cs typeface="Consolas" pitchFamily="49" charset="0"/>
             </a:endParaRPr>
           </a:p>
@@ -11589,18 +11365,11 @@
               <a:buNone/>
             </a:pPr>
             <a:r>
-              <a:rPr lang="en-US" sz="2000" b="1" dirty="0" smtClean="0">
-                <a:latin typeface="Consolas" panose="020B0609020204030204" pitchFamily="49" charset="0"/>
-                <a:cs typeface="Consolas" panose="020B0609020204030204" pitchFamily="49" charset="0"/>
-              </a:rPr>
-              <a:t>(</a:t>
-            </a:r>
-            <a:r>
               <a:rPr lang="en-US" sz="2000" b="1" dirty="0">
                 <a:latin typeface="Consolas" panose="020B0609020204030204" pitchFamily="49" charset="0"/>
                 <a:cs typeface="Consolas" panose="020B0609020204030204" pitchFamily="49" charset="0"/>
               </a:rPr>
-              <a:t>define-</a:t>
+              <a:t>(define-</a:t>
             </a:r>
             <a:r>
               <a:rPr lang="en-US" sz="2000" b="1" dirty="0" err="1">
@@ -11625,7 +11394,7 @@
               <a:buNone/>
             </a:pPr>
             <a:r>
-              <a:rPr lang="en-US" sz="2000" b="1" dirty="0" smtClean="0">
+              <a:rPr lang="en-US" sz="2000" b="1" dirty="0">
                 <a:latin typeface="Consolas" pitchFamily="49" charset="0"/>
                 <a:cs typeface="Consolas" pitchFamily="49" charset="0"/>
               </a:rPr>
@@ -11639,7 +11408,7 @@
               </a:spcBef>
               <a:buNone/>
             </a:pPr>
-            <a:endParaRPr lang="en-US" sz="2000" b="1" dirty="0" smtClean="0">
+            <a:endParaRPr lang="en-US" sz="2000" b="1" dirty="0">
               <a:latin typeface="Consolas" pitchFamily="49" charset="0"/>
               <a:cs typeface="Consolas" pitchFamily="49" charset="0"/>
             </a:endParaRPr>
@@ -11652,7 +11421,7 @@
               <a:buNone/>
             </a:pPr>
             <a:r>
-              <a:rPr lang="en-US" sz="2000" b="1" dirty="0" smtClean="0">
+              <a:rPr lang="en-US" sz="2000" b="1" dirty="0">
                 <a:latin typeface="Consolas" pitchFamily="49" charset="0"/>
                 <a:cs typeface="Consolas" pitchFamily="49" charset="0"/>
               </a:rPr>
@@ -11666,7 +11435,7 @@
               </a:spcBef>
               <a:buNone/>
             </a:pPr>
-            <a:endParaRPr lang="en-US" sz="2000" b="1" dirty="0" smtClean="0">
+            <a:endParaRPr lang="en-US" sz="2000" b="1" dirty="0">
               <a:latin typeface="Consolas" pitchFamily="49" charset="0"/>
               <a:cs typeface="Consolas" pitchFamily="49" charset="0"/>
             </a:endParaRPr>
@@ -11679,7 +11448,7 @@
               <a:buNone/>
             </a:pPr>
             <a:r>
-              <a:rPr lang="en-US" sz="2000" b="1" dirty="0" smtClean="0">
+              <a:rPr lang="en-US" sz="2000" b="1" dirty="0">
                 <a:latin typeface="Consolas" pitchFamily="49" charset="0"/>
                 <a:cs typeface="Consolas" pitchFamily="49" charset="0"/>
               </a:rPr>
@@ -11698,26 +11467,8 @@
                 <a:latin typeface="Consolas" pitchFamily="49" charset="0"/>
                 <a:cs typeface="Consolas" pitchFamily="49" charset="0"/>
               </a:rPr>
-              <a:t>-- </a:t>
-            </a:r>
-            <a:r>
-              <a:rPr lang="en-US" sz="2000" b="1" dirty="0" smtClean="0">
-                <a:latin typeface="Consolas" pitchFamily="49" charset="0"/>
-                <a:cs typeface="Consolas" pitchFamily="49" charset="0"/>
-              </a:rPr>
-              <a:t>(</a:t>
-            </a:r>
-            <a:r>
-              <a:rPr lang="en-US" sz="2000" b="1" dirty="0">
-                <a:latin typeface="Consolas" pitchFamily="49" charset="0"/>
-                <a:cs typeface="Consolas" pitchFamily="49" charset="0"/>
-              </a:rPr>
-              <a:t>make-plain-pizza)</a:t>
-            </a:r>
-            <a:endParaRPr lang="en-US" sz="2000" b="1" dirty="0" smtClean="0">
-              <a:latin typeface="Consolas" pitchFamily="49" charset="0"/>
-              <a:cs typeface="Consolas" pitchFamily="49" charset="0"/>
-            </a:endParaRPr>
+              <a:t>-- (make-plain-pizza)</a:t>
+            </a:r>
           </a:p>
           <a:p>
             <a:pPr>
@@ -11727,7 +11478,7 @@
               <a:buNone/>
             </a:pPr>
             <a:r>
-              <a:rPr lang="en-US" sz="2000" b="1" dirty="0" smtClean="0">
+              <a:rPr lang="en-US" sz="2000" b="1" dirty="0">
                 <a:latin typeface="Consolas" pitchFamily="49" charset="0"/>
                 <a:cs typeface="Consolas" pitchFamily="49" charset="0"/>
               </a:rPr>
@@ -11742,14 +11493,14 @@
               <a:buNone/>
             </a:pPr>
             <a:r>
-              <a:rPr lang="en-US" sz="2000" b="1" dirty="0" err="1" smtClean="0">
+              <a:rPr lang="en-US" sz="2000" b="1" dirty="0" err="1">
                 <a:latin typeface="Consolas" pitchFamily="49" charset="0"/>
                 <a:cs typeface="Consolas" pitchFamily="49" charset="0"/>
               </a:rPr>
               <a:t>Interp</a:t>
             </a:r>
             <a:r>
-              <a:rPr lang="en-US" sz="2000" b="1" dirty="0" smtClean="0">
+              <a:rPr lang="en-US" sz="2000" b="1" dirty="0">
                 <a:latin typeface="Consolas" pitchFamily="49" charset="0"/>
                 <a:cs typeface="Consolas" pitchFamily="49" charset="0"/>
               </a:rPr>
@@ -11764,30 +11515,12 @@
               <a:buNone/>
             </a:pPr>
             <a:r>
-              <a:rPr lang="en-US" sz="2000" b="1" dirty="0" smtClean="0">
-                <a:latin typeface="Consolas" pitchFamily="49" charset="0"/>
-                <a:cs typeface="Consolas" pitchFamily="49" charset="0"/>
-              </a:rPr>
-              <a:t>(make-plain-pizza)  represents </a:t>
-            </a:r>
-            <a:r>
               <a:rPr lang="en-US" sz="2000" b="1" dirty="0">
                 <a:latin typeface="Consolas" pitchFamily="49" charset="0"/>
                 <a:cs typeface="Consolas" pitchFamily="49" charset="0"/>
               </a:rPr>
-              <a:t>a pizza with </a:t>
-            </a:r>
-            <a:r>
-              <a:rPr lang="en-US" sz="2000" b="1" dirty="0" smtClean="0">
-                <a:latin typeface="Consolas" pitchFamily="49" charset="0"/>
-                <a:cs typeface="Consolas" pitchFamily="49" charset="0"/>
-              </a:rPr>
-              <a:t>no toppings</a:t>
-            </a:r>
-            <a:endParaRPr lang="en-US" sz="2000" b="1" dirty="0">
-              <a:latin typeface="Consolas" pitchFamily="49" charset="0"/>
-              <a:cs typeface="Consolas" pitchFamily="49" charset="0"/>
-            </a:endParaRPr>
+              <a:t>(make-plain-pizza)  represents a pizza with no toppings</a:t>
+            </a:r>
           </a:p>
           <a:p>
             <a:pPr>
@@ -11797,39 +11530,11 @@
               <a:buNone/>
             </a:pPr>
             <a:r>
-              <a:rPr lang="en-US" sz="2000" b="1" dirty="0" smtClean="0">
-                <a:latin typeface="Consolas" pitchFamily="49" charset="0"/>
-                <a:cs typeface="Consolas" pitchFamily="49" charset="0"/>
-              </a:rPr>
-              <a:t>(</a:t>
-            </a:r>
-            <a:r>
               <a:rPr lang="en-US" sz="2000" b="1" dirty="0">
                 <a:latin typeface="Consolas" pitchFamily="49" charset="0"/>
                 <a:cs typeface="Consolas" pitchFamily="49" charset="0"/>
               </a:rPr>
-              <a:t>make-topped-pizza t p) represents a</a:t>
-            </a:r>
-            <a:r>
-              <a:rPr lang="en-US" sz="2000" b="1" dirty="0" smtClean="0">
-                <a:latin typeface="Consolas" pitchFamily="49" charset="0"/>
-                <a:cs typeface="Consolas" pitchFamily="49" charset="0"/>
-              </a:rPr>
-              <a:t> </a:t>
-            </a:r>
-            <a:r>
-              <a:rPr lang="en-US" sz="2000" b="1" dirty="0">
-                <a:latin typeface="Consolas" pitchFamily="49" charset="0"/>
-                <a:cs typeface="Consolas" pitchFamily="49" charset="0"/>
-              </a:rPr>
-              <a:t>pizza </a:t>
-            </a:r>
-            <a:r>
-              <a:rPr lang="en-US" sz="2000" b="1" dirty="0" smtClean="0">
-                <a:latin typeface="Consolas" pitchFamily="49" charset="0"/>
-                <a:cs typeface="Consolas" pitchFamily="49" charset="0"/>
-              </a:rPr>
-              <a:t>like p,</a:t>
+              <a:t>(make-topped-pizza t p) represents a pizza like p,</a:t>
             </a:r>
           </a:p>
           <a:p>
@@ -11844,21 +11549,7 @@
                 <a:latin typeface="Consolas" pitchFamily="49" charset="0"/>
                 <a:cs typeface="Consolas" pitchFamily="49" charset="0"/>
               </a:rPr>
-              <a:t> </a:t>
-            </a:r>
-            <a:r>
-              <a:rPr lang="en-US" sz="2000" b="1" dirty="0" smtClean="0">
-                <a:latin typeface="Consolas" pitchFamily="49" charset="0"/>
-                <a:cs typeface="Consolas" pitchFamily="49" charset="0"/>
-              </a:rPr>
-              <a:t>                       but with topping </a:t>
-            </a:r>
-            <a:r>
-              <a:rPr lang="en-US" sz="2000" b="1" dirty="0">
-                <a:latin typeface="Consolas" pitchFamily="49" charset="0"/>
-                <a:cs typeface="Consolas" pitchFamily="49" charset="0"/>
-              </a:rPr>
-              <a:t>t added on top.</a:t>
+              <a:t>                        but with topping t added on top.</a:t>
             </a:r>
           </a:p>
           <a:p>
@@ -11868,7 +11559,7 @@
               </a:spcBef>
               <a:buNone/>
             </a:pPr>
-            <a:endParaRPr lang="en-US" sz="2000" b="1" dirty="0" smtClean="0">
+            <a:endParaRPr lang="en-US" sz="2000" b="1" dirty="0">
               <a:latin typeface="Consolas" pitchFamily="49" charset="0"/>
               <a:cs typeface="Consolas" pitchFamily="49" charset="0"/>
             </a:endParaRPr>
@@ -11944,7 +11635,7 @@
           <a:lstStyle/>
           <a:p>
             <a:r>
-              <a:rPr lang="en-US" sz="1400" dirty="0" smtClean="0">
+              <a:rPr lang="en-US" sz="1400" dirty="0">
                 <a:solidFill>
                   <a:schemeClr val="tx1"/>
                 </a:solidFill>
@@ -11952,7 +11643,7 @@
               <a:t>This representation, using a set of alternatives each of which is a </a:t>
             </a:r>
             <a:r>
-              <a:rPr lang="en-US" sz="1400" dirty="0" err="1" smtClean="0">
+              <a:rPr lang="en-US" sz="1400" dirty="0" err="1">
                 <a:solidFill>
                   <a:schemeClr val="tx1"/>
                 </a:solidFill>
@@ -11960,7 +11651,7 @@
               <a:t>struct</a:t>
             </a:r>
             <a:r>
-              <a:rPr lang="en-US" sz="1400" dirty="0" smtClean="0">
+              <a:rPr lang="en-US" sz="1400" dirty="0">
                 <a:solidFill>
                   <a:schemeClr val="tx1"/>
                 </a:solidFill>
@@ -11968,7 +11659,7 @@
               <a:t>, is a standard strategy, sometimes called the "sum of products" representation.  HINT:  You won't go </a:t>
             </a:r>
             <a:r>
-              <a:rPr lang="en-US" sz="1400" smtClean="0">
+              <a:rPr lang="en-US" sz="1400">
                 <a:solidFill>
                   <a:schemeClr val="tx1"/>
                 </a:solidFill>
@@ -11976,18 +11667,13 @@
               <a:t>wrong if </a:t>
             </a:r>
             <a:r>
-              <a:rPr lang="en-US" sz="1400" dirty="0" smtClean="0">
+              <a:rPr lang="en-US" sz="1400" dirty="0">
                 <a:solidFill>
                   <a:schemeClr val="tx1"/>
                 </a:solidFill>
               </a:rPr>
               <a:t>you use this as your default representation for data in Racket.</a:t>
             </a:r>
-            <a:endParaRPr lang="en-US" sz="1400" dirty="0">
-              <a:solidFill>
-                <a:schemeClr val="tx1"/>
-              </a:solidFill>
-            </a:endParaRPr>
           </a:p>
         </p:txBody>
       </p:sp>
@@ -12001,13 +11687,6 @@
   <p:clrMapOvr>
     <a:masterClrMapping/>
   </p:clrMapOvr>
-  <p:timing>
-    <p:tnLst>
-      <p:par>
-        <p:cTn id="1" dur="indefinite" restart="never" nodeType="tmRoot"/>
-      </p:par>
-    </p:tnLst>
-  </p:timing>
 </p:sld>
 </file>
 
